--- a/10. Sampling (STA101).pptx
+++ b/10. Sampling (STA101).pptx
@@ -18,19 +18,21 @@
     <p:sldId id="415" r:id="rId12"/>
     <p:sldId id="416" r:id="rId13"/>
     <p:sldId id="417" r:id="rId14"/>
-    <p:sldId id="418" r:id="rId15"/>
-    <p:sldId id="419" r:id="rId16"/>
-    <p:sldId id="420" r:id="rId17"/>
-    <p:sldId id="421" r:id="rId18"/>
-    <p:sldId id="422" r:id="rId19"/>
-    <p:sldId id="423" r:id="rId20"/>
-    <p:sldId id="424" r:id="rId21"/>
-    <p:sldId id="425" r:id="rId22"/>
-    <p:sldId id="426" r:id="rId23"/>
-    <p:sldId id="427" r:id="rId24"/>
-    <p:sldId id="428" r:id="rId25"/>
-    <p:sldId id="429" r:id="rId26"/>
-    <p:sldId id="363" r:id="rId27"/>
+    <p:sldId id="431" r:id="rId15"/>
+    <p:sldId id="418" r:id="rId16"/>
+    <p:sldId id="419" r:id="rId17"/>
+    <p:sldId id="420" r:id="rId18"/>
+    <p:sldId id="421" r:id="rId19"/>
+    <p:sldId id="422" r:id="rId20"/>
+    <p:sldId id="423" r:id="rId21"/>
+    <p:sldId id="424" r:id="rId22"/>
+    <p:sldId id="425" r:id="rId23"/>
+    <p:sldId id="426" r:id="rId24"/>
+    <p:sldId id="427" r:id="rId25"/>
+    <p:sldId id="428" r:id="rId26"/>
+    <p:sldId id="429" r:id="rId27"/>
+    <p:sldId id="430" r:id="rId28"/>
+    <p:sldId id="363" r:id="rId29"/>
   </p:sldIdLst>
   <p:sldSz cx="14630400" cy="8229600"/>
   <p:notesSz cx="6858000" cy="9144000"/>
@@ -540,7 +542,7 @@
           <a:p>
             <a:fld id="{97B34786-0A07-4281-A7C3-7630DD8912B6}" type="datetimeFigureOut">
               <a:rPr lang="en-US" smtClean="0"/>
-              <a:t>4/22/2024</a:t>
+              <a:t>12/30/2024</a:t>
             </a:fld>
             <a:endParaRPr lang="en-US"/>
           </a:p>
@@ -719,7 +721,7 @@
           <a:p>
             <a:fld id="{97B34786-0A07-4281-A7C3-7630DD8912B6}" type="datetimeFigureOut">
               <a:rPr lang="en-US" smtClean="0"/>
-              <a:t>4/22/2024</a:t>
+              <a:t>12/30/2024</a:t>
             </a:fld>
             <a:endParaRPr lang="en-US"/>
           </a:p>
@@ -899,7 +901,7 @@
           <a:p>
             <a:fld id="{97B34786-0A07-4281-A7C3-7630DD8912B6}" type="datetimeFigureOut">
               <a:rPr lang="en-US" smtClean="0"/>
-              <a:t>4/22/2024</a:t>
+              <a:t>12/30/2024</a:t>
             </a:fld>
             <a:endParaRPr lang="en-US"/>
           </a:p>
@@ -1074,7 +1076,7 @@
           <a:p>
             <a:fld id="{97B34786-0A07-4281-A7C3-7630DD8912B6}" type="datetimeFigureOut">
               <a:rPr lang="en-US" smtClean="0"/>
-              <a:t>4/22/2024</a:t>
+              <a:t>12/30/2024</a:t>
             </a:fld>
             <a:endParaRPr lang="en-US"/>
           </a:p>
@@ -1244,7 +1246,7 @@
           <a:p>
             <a:fld id="{97B34786-0A07-4281-A7C3-7630DD8912B6}" type="datetimeFigureOut">
               <a:rPr lang="en-US" smtClean="0"/>
-              <a:t>4/22/2024</a:t>
+              <a:t>12/30/2024</a:t>
             </a:fld>
             <a:endParaRPr lang="en-US"/>
           </a:p>
@@ -1557,7 +1559,7 @@
           <a:p>
             <a:fld id="{97B34786-0A07-4281-A7C3-7630DD8912B6}" type="datetimeFigureOut">
               <a:rPr lang="en-US" smtClean="0"/>
-              <a:t>4/22/2024</a:t>
+              <a:t>12/30/2024</a:t>
             </a:fld>
             <a:endParaRPr lang="en-US"/>
           </a:p>
@@ -1943,7 +1945,7 @@
           <a:p>
             <a:fld id="{97B34786-0A07-4281-A7C3-7630DD8912B6}" type="datetimeFigureOut">
               <a:rPr lang="en-US" smtClean="0"/>
-              <a:t>4/22/2024</a:t>
+              <a:t>12/30/2024</a:t>
             </a:fld>
             <a:endParaRPr lang="en-US"/>
           </a:p>
@@ -2377,7 +2379,7 @@
           <a:p>
             <a:fld id="{97B34786-0A07-4281-A7C3-7630DD8912B6}" type="datetimeFigureOut">
               <a:rPr lang="en-US" smtClean="0"/>
-              <a:t>4/22/2024</a:t>
+              <a:t>12/30/2024</a:t>
             </a:fld>
             <a:endParaRPr lang="en-US"/>
           </a:p>
@@ -2495,7 +2497,7 @@
           <a:p>
             <a:fld id="{97B34786-0A07-4281-A7C3-7630DD8912B6}" type="datetimeFigureOut">
               <a:rPr lang="en-US" smtClean="0"/>
-              <a:t>4/22/2024</a:t>
+              <a:t>12/30/2024</a:t>
             </a:fld>
             <a:endParaRPr lang="en-US"/>
           </a:p>
@@ -2590,7 +2592,7 @@
           <a:p>
             <a:fld id="{97B34786-0A07-4281-A7C3-7630DD8912B6}" type="datetimeFigureOut">
               <a:rPr lang="en-US" smtClean="0"/>
-              <a:t>4/22/2024</a:t>
+              <a:t>12/30/2024</a:t>
             </a:fld>
             <a:endParaRPr lang="en-US"/>
           </a:p>
@@ -2940,7 +2942,7 @@
           <a:p>
             <a:fld id="{97B34786-0A07-4281-A7C3-7630DD8912B6}" type="datetimeFigureOut">
               <a:rPr lang="en-US" smtClean="0"/>
-              <a:t>4/22/2024</a:t>
+              <a:t>12/30/2024</a:t>
             </a:fld>
             <a:endParaRPr lang="en-US"/>
           </a:p>
@@ -3365,7 +3367,7 @@
           <a:p>
             <a:fld id="{97B34786-0A07-4281-A7C3-7630DD8912B6}" type="datetimeFigureOut">
               <a:rPr lang="en-US" smtClean="0"/>
-              <a:t>4/22/2024</a:t>
+              <a:t>12/30/2024</a:t>
             </a:fld>
             <a:endParaRPr lang="en-US"/>
           </a:p>
@@ -3646,7 +3648,7 @@
           <a:p>
             <a:fld id="{97B34786-0A07-4281-A7C3-7630DD8912B6}" type="datetimeFigureOut">
               <a:rPr lang="en-US" smtClean="0"/>
-              <a:t>4/22/2024</a:t>
+              <a:t>12/30/2024</a:t>
             </a:fld>
             <a:endParaRPr lang="en-US"/>
           </a:p>
@@ -7131,6 +7133,197 @@
   <p:cSld>
     <p:spTree>
       <p:nvGrpSpPr>
+        <p:cNvPr id="1" name="">
+          <a:extLst>
+            <a:ext uri="{FF2B5EF4-FFF2-40B4-BE49-F238E27FC236}">
+              <a16:creationId xmlns:a16="http://schemas.microsoft.com/office/drawing/2014/main" id="{E3664899-A01F-145F-84E6-0EDA2AA0B71D}"/>
+            </a:ext>
+          </a:extLst>
+        </p:cNvPr>
+        <p:cNvGrpSpPr/>
+        <p:nvPr/>
+      </p:nvGrpSpPr>
+      <p:grpSpPr>
+        <a:xfrm>
+          <a:off x="0" y="0"/>
+          <a:ext cx="0" cy="0"/>
+          <a:chOff x="0" y="0"/>
+          <a:chExt cx="0" cy="0"/>
+        </a:xfrm>
+      </p:grpSpPr>
+      <p:sp>
+        <p:nvSpPr>
+          <p:cNvPr id="2" name="Title 1">
+            <a:extLst>
+              <a:ext uri="{FF2B5EF4-FFF2-40B4-BE49-F238E27FC236}">
+                <a16:creationId xmlns:a16="http://schemas.microsoft.com/office/drawing/2014/main" id="{B361616D-AF3A-00D1-6A41-025A73C264FC}"/>
+              </a:ext>
+            </a:extLst>
+          </p:cNvPr>
+          <p:cNvSpPr>
+            <a:spLocks noGrp="1"/>
+          </p:cNvSpPr>
+          <p:nvPr>
+            <p:ph type="title"/>
+          </p:nvPr>
+        </p:nvSpPr>
+        <p:spPr>
+          <a:xfrm>
+            <a:off x="1283818" y="97470"/>
+            <a:ext cx="12070080" cy="1931213"/>
+          </a:xfrm>
+        </p:spPr>
+        <p:txBody>
+          <a:bodyPr/>
+          <a:lstStyle/>
+          <a:p>
+            <a:r>
+              <a:rPr lang="en-US" dirty="0"/>
+              <a:t>Simple Random Sampling</a:t>
+            </a:r>
+          </a:p>
+        </p:txBody>
+      </p:sp>
+      <p:sp>
+        <p:nvSpPr>
+          <p:cNvPr id="3" name="Content Placeholder 2">
+            <a:extLst>
+              <a:ext uri="{FF2B5EF4-FFF2-40B4-BE49-F238E27FC236}">
+                <a16:creationId xmlns:a16="http://schemas.microsoft.com/office/drawing/2014/main" id="{12637F0F-C976-6614-4D89-3237EA809A13}"/>
+              </a:ext>
+            </a:extLst>
+          </p:cNvPr>
+          <p:cNvSpPr>
+            <a:spLocks noGrp="1"/>
+          </p:cNvSpPr>
+          <p:nvPr>
+            <p:ph sz="quarter" idx="13"/>
+          </p:nvPr>
+        </p:nvSpPr>
+        <p:spPr>
+          <a:xfrm>
+            <a:off x="1096529" y="2123350"/>
+            <a:ext cx="12436591" cy="5827953"/>
+          </a:xfrm>
+        </p:spPr>
+        <p:txBody>
+          <a:bodyPr>
+            <a:normAutofit/>
+          </a:bodyPr>
+          <a:lstStyle/>
+          <a:p>
+            <a:pPr algn="just">
+              <a:lnSpc>
+                <a:spcPct val="150000"/>
+              </a:lnSpc>
+            </a:pPr>
+            <a:r>
+              <a:rPr lang="en-US" sz="3200" dirty="0"/>
+              <a:t>A university wants to conduct a survey to understand the study habits of undergraduate students across all departments. The university has 5,000 undergraduate students enrolled, and the administration decides to survey 200 students. To ensure fairness, they want each student to have an equal chance of being selected. What sampling technique? How can the university implement this technique to select 200 students?</a:t>
+            </a:r>
+          </a:p>
+        </p:txBody>
+      </p:sp>
+    </p:spTree>
+    <p:extLst>
+      <p:ext uri="{BB962C8B-B14F-4D97-AF65-F5344CB8AC3E}">
+        <p14:creationId xmlns:p14="http://schemas.microsoft.com/office/powerpoint/2010/main" val="3611794950"/>
+      </p:ext>
+    </p:extLst>
+  </p:cSld>
+  <p:clrMapOvr>
+    <a:masterClrMapping/>
+  </p:clrMapOvr>
+  <p:timing>
+    <p:tnLst>
+      <p:par>
+        <p:cTn id="1" dur="indefinite" restart="never" nodeType="tmRoot">
+          <p:childTnLst>
+            <p:seq concurrent="1" nextAc="seek">
+              <p:cTn id="2" dur="indefinite" nodeType="mainSeq">
+                <p:childTnLst>
+                  <p:par>
+                    <p:cTn id="3" fill="hold">
+                      <p:stCondLst>
+                        <p:cond delay="indefinite"/>
+                      </p:stCondLst>
+                      <p:childTnLst>
+                        <p:par>
+                          <p:cTn id="4" fill="hold">
+                            <p:stCondLst>
+                              <p:cond delay="0"/>
+                            </p:stCondLst>
+                            <p:childTnLst>
+                              <p:par>
+                                <p:cTn id="5" presetID="1" presetClass="entr" presetSubtype="0" fill="hold" grpId="0" nodeType="clickEffect">
+                                  <p:stCondLst>
+                                    <p:cond delay="0"/>
+                                  </p:stCondLst>
+                                  <p:childTnLst>
+                                    <p:set>
+                                      <p:cBhvr>
+                                        <p:cTn id="6" dur="1" fill="hold">
+                                          <p:stCondLst>
+                                            <p:cond delay="0"/>
+                                          </p:stCondLst>
+                                        </p:cTn>
+                                        <p:tgtEl>
+                                          <p:spTgt spid="3">
+                                            <p:txEl>
+                                              <p:pRg st="0" end="0"/>
+                                            </p:txEl>
+                                          </p:spTgt>
+                                        </p:tgtEl>
+                                        <p:attrNameLst>
+                                          <p:attrName>style.visibility</p:attrName>
+                                        </p:attrNameLst>
+                                      </p:cBhvr>
+                                      <p:to>
+                                        <p:strVal val="visible"/>
+                                      </p:to>
+                                    </p:set>
+                                  </p:childTnLst>
+                                </p:cTn>
+                              </p:par>
+                            </p:childTnLst>
+                          </p:cTn>
+                        </p:par>
+                      </p:childTnLst>
+                    </p:cTn>
+                  </p:par>
+                </p:childTnLst>
+              </p:cTn>
+              <p:prevCondLst>
+                <p:cond evt="onPrev" delay="0">
+                  <p:tgtEl>
+                    <p:sldTgt/>
+                  </p:tgtEl>
+                </p:cond>
+              </p:prevCondLst>
+              <p:nextCondLst>
+                <p:cond evt="onNext" delay="0">
+                  <p:tgtEl>
+                    <p:sldTgt/>
+                  </p:tgtEl>
+                </p:cond>
+              </p:nextCondLst>
+            </p:seq>
+          </p:childTnLst>
+        </p:cTn>
+      </p:par>
+    </p:tnLst>
+    <p:bldLst>
+      <p:bldP spid="3" grpId="0" build="p"/>
+    </p:bldLst>
+  </p:timing>
+</p:sld>
+</file>
+
+<file path=ppt/slides/slide15.xml><?xml version="1.0" encoding="utf-8"?>
+<p:sld xmlns:a="http://schemas.openxmlformats.org/drawingml/2006/main" xmlns:r="http://schemas.openxmlformats.org/officeDocument/2006/relationships" xmlns:p="http://schemas.openxmlformats.org/presentationml/2006/main">
+  <p:cSld>
+    <p:spTree>
+      <p:nvGrpSpPr>
         <p:cNvPr id="1" name=""/>
         <p:cNvGrpSpPr/>
         <p:nvPr/>
@@ -8032,7 +8225,7 @@
 </p:sld>
 </file>
 
-<file path=ppt/slides/slide15.xml><?xml version="1.0" encoding="utf-8"?>
+<file path=ppt/slides/slide16.xml><?xml version="1.0" encoding="utf-8"?>
 <p:sld xmlns:a="http://schemas.openxmlformats.org/drawingml/2006/main" xmlns:r="http://schemas.openxmlformats.org/officeDocument/2006/relationships" xmlns:p="http://schemas.openxmlformats.org/presentationml/2006/main">
   <p:cSld>
     <p:spTree>
@@ -8100,17 +8293,21 @@
         </p:nvSpPr>
         <p:spPr>
           <a:xfrm>
-            <a:off x="1096529" y="2123351"/>
-            <a:ext cx="12436591" cy="4993066"/>
+            <a:off x="1096529" y="2123350"/>
+            <a:ext cx="12436591" cy="5788197"/>
           </a:xfrm>
         </p:spPr>
         <p:txBody>
           <a:bodyPr>
-            <a:normAutofit/>
+            <a:normAutofit fontScale="92500"/>
           </a:bodyPr>
           <a:lstStyle/>
           <a:p>
-            <a:pPr algn="just"/>
+            <a:pPr algn="just">
+              <a:lnSpc>
+                <a:spcPct val="150000"/>
+              </a:lnSpc>
+            </a:pPr>
             <a:r>
               <a:rPr lang="en-US" sz="3200" dirty="0"/>
               <a:t>Systematic sampling is a probability sampling method in which researchers select members of the population at a </a:t>
@@ -8129,11 +8326,19 @@
             </a:r>
           </a:p>
           <a:p>
-            <a:pPr algn="just"/>
+            <a:pPr algn="just">
+              <a:lnSpc>
+                <a:spcPct val="150000"/>
+              </a:lnSpc>
+            </a:pPr>
             <a:endParaRPr lang="en-US" sz="3200" dirty="0"/>
           </a:p>
           <a:p>
-            <a:pPr algn="just"/>
+            <a:pPr algn="just">
+              <a:lnSpc>
+                <a:spcPct val="150000"/>
+              </a:lnSpc>
+            </a:pPr>
             <a:r>
               <a:rPr lang="en-US" sz="3200" dirty="0"/>
               <a:t>If the population order is random or random-like (e.g., alphabetical), then this method will give you a representative sample that can be used to draw conclusions about your population of interest.</a:t>
@@ -8285,7 +8490,7 @@
 </p:sld>
 </file>
 
-<file path=ppt/slides/slide16.xml><?xml version="1.0" encoding="utf-8"?>
+<file path=ppt/slides/slide17.xml><?xml version="1.0" encoding="utf-8"?>
 <p:sld xmlns:a="http://schemas.openxmlformats.org/drawingml/2006/main" xmlns:r="http://schemas.openxmlformats.org/officeDocument/2006/relationships" xmlns:p="http://schemas.openxmlformats.org/presentationml/2006/main">
   <p:cSld>
     <p:spTree>
@@ -9269,7 +9474,7 @@
 </p:sld>
 </file>
 
-<file path=ppt/slides/slide17.xml><?xml version="1.0" encoding="utf-8"?>
+<file path=ppt/slides/slide18.xml><?xml version="1.0" encoding="utf-8"?>
 <p:sld xmlns:a="http://schemas.openxmlformats.org/drawingml/2006/main" xmlns:r="http://schemas.openxmlformats.org/officeDocument/2006/relationships" xmlns:p="http://schemas.openxmlformats.org/presentationml/2006/main">
   <p:cSld>
     <p:spTree>
@@ -9510,7 +9715,7 @@
 </p:sld>
 </file>
 
-<file path=ppt/slides/slide18.xml><?xml version="1.0" encoding="utf-8"?>
+<file path=ppt/slides/slide19.xml><?xml version="1.0" encoding="utf-8"?>
 <p:sld xmlns:a="http://schemas.openxmlformats.org/drawingml/2006/main" xmlns:r="http://schemas.openxmlformats.org/officeDocument/2006/relationships" xmlns:p="http://schemas.openxmlformats.org/presentationml/2006/main">
   <p:cSld>
     <p:spTree>
@@ -9808,995 +10013,6 @@
       <p:bldP spid="3" grpId="0" build="p"/>
     </p:bldLst>
   </p:timing>
-</p:sld>
-</file>
-
-<file path=ppt/slides/slide19.xml><?xml version="1.0" encoding="utf-8"?>
-<p:sld xmlns:a="http://schemas.openxmlformats.org/drawingml/2006/main" xmlns:r="http://schemas.openxmlformats.org/officeDocument/2006/relationships" xmlns:p="http://schemas.openxmlformats.org/presentationml/2006/main">
-  <p:cSld>
-    <p:spTree>
-      <p:nvGrpSpPr>
-        <p:cNvPr id="1" name=""/>
-        <p:cNvGrpSpPr/>
-        <p:nvPr/>
-      </p:nvGrpSpPr>
-      <p:grpSpPr>
-        <a:xfrm>
-          <a:off x="0" y="0"/>
-          <a:ext cx="0" cy="0"/>
-          <a:chOff x="0" y="0"/>
-          <a:chExt cx="0" cy="0"/>
-        </a:xfrm>
-      </p:grpSpPr>
-      <p:sp>
-        <p:nvSpPr>
-          <p:cNvPr id="2" name="Title 1">
-            <a:extLst>
-              <a:ext uri="{FF2B5EF4-FFF2-40B4-BE49-F238E27FC236}">
-                <a16:creationId xmlns:a16="http://schemas.microsoft.com/office/drawing/2014/main" id="{AE3CE8B8-8455-1913-31F5-C8A759952E32}"/>
-              </a:ext>
-            </a:extLst>
-          </p:cNvPr>
-          <p:cNvSpPr>
-            <a:spLocks noGrp="1"/>
-          </p:cNvSpPr>
-          <p:nvPr>
-            <p:ph type="title"/>
-          </p:nvPr>
-        </p:nvSpPr>
-        <p:spPr>
-          <a:xfrm>
-            <a:off x="1283818" y="97470"/>
-            <a:ext cx="12070080" cy="1931213"/>
-          </a:xfrm>
-        </p:spPr>
-        <p:txBody>
-          <a:bodyPr/>
-          <a:lstStyle/>
-          <a:p>
-            <a:r>
-              <a:rPr lang="en-US" dirty="0"/>
-              <a:t>Cluster Sampling</a:t>
-            </a:r>
-          </a:p>
-        </p:txBody>
-      </p:sp>
-      <p:pic>
-        <p:nvPicPr>
-          <p:cNvPr id="5" name="Content Placeholder 4">
-            <a:extLst>
-              <a:ext uri="{FF2B5EF4-FFF2-40B4-BE49-F238E27FC236}">
-                <a16:creationId xmlns:a16="http://schemas.microsoft.com/office/drawing/2014/main" id="{7592FEFF-BC43-1975-B532-24BB215412BE}"/>
-              </a:ext>
-            </a:extLst>
-          </p:cNvPr>
-          <p:cNvPicPr>
-            <a:picLocks noGrp="1" noChangeAspect="1"/>
-          </p:cNvPicPr>
-          <p:nvPr>
-            <p:ph sz="quarter" idx="13"/>
-          </p:nvPr>
-        </p:nvPicPr>
-        <p:blipFill rotWithShape="1">
-          <a:blip r:embed="rId2">
-            <a:extLst>
-              <a:ext uri="{28A0092B-C50C-407E-A947-70E740481C1C}">
-                <a14:useLocalDpi xmlns:a14="http://schemas.microsoft.com/office/drawing/2010/main" val="0"/>
-              </a:ext>
-            </a:extLst>
-          </a:blip>
-          <a:srcRect b="21006"/>
-          <a:stretch/>
-        </p:blipFill>
-        <p:spPr>
-          <a:xfrm>
-            <a:off x="628229" y="2028683"/>
-            <a:ext cx="13373942" cy="4174877"/>
-          </a:xfrm>
-          <a:custGeom>
-            <a:avLst/>
-            <a:gdLst>
-              <a:gd name="connsiteX0" fmla="*/ 0 w 13373942"/>
-              <a:gd name="connsiteY0" fmla="*/ 0 h 4174877"/>
-              <a:gd name="connsiteX1" fmla="*/ 267479 w 13373942"/>
-              <a:gd name="connsiteY1" fmla="*/ 0 h 4174877"/>
-              <a:gd name="connsiteX2" fmla="*/ 1203655 w 13373942"/>
-              <a:gd name="connsiteY2" fmla="*/ 0 h 4174877"/>
-              <a:gd name="connsiteX3" fmla="*/ 1471134 w 13373942"/>
-              <a:gd name="connsiteY3" fmla="*/ 0 h 4174877"/>
-              <a:gd name="connsiteX4" fmla="*/ 1738612 w 13373942"/>
-              <a:gd name="connsiteY4" fmla="*/ 0 h 4174877"/>
-              <a:gd name="connsiteX5" fmla="*/ 2273570 w 13373942"/>
-              <a:gd name="connsiteY5" fmla="*/ 0 h 4174877"/>
-              <a:gd name="connsiteX6" fmla="*/ 3076007 w 13373942"/>
-              <a:gd name="connsiteY6" fmla="*/ 0 h 4174877"/>
-              <a:gd name="connsiteX7" fmla="*/ 4012183 w 13373942"/>
-              <a:gd name="connsiteY7" fmla="*/ 0 h 4174877"/>
-              <a:gd name="connsiteX8" fmla="*/ 4279661 w 13373942"/>
-              <a:gd name="connsiteY8" fmla="*/ 0 h 4174877"/>
-              <a:gd name="connsiteX9" fmla="*/ 4680880 w 13373942"/>
-              <a:gd name="connsiteY9" fmla="*/ 0 h 4174877"/>
-              <a:gd name="connsiteX10" fmla="*/ 5215837 w 13373942"/>
-              <a:gd name="connsiteY10" fmla="*/ 0 h 4174877"/>
-              <a:gd name="connsiteX11" fmla="*/ 5617056 w 13373942"/>
-              <a:gd name="connsiteY11" fmla="*/ 0 h 4174877"/>
-              <a:gd name="connsiteX12" fmla="*/ 6419492 w 13373942"/>
-              <a:gd name="connsiteY12" fmla="*/ 0 h 4174877"/>
-              <a:gd name="connsiteX13" fmla="*/ 7088189 w 13373942"/>
-              <a:gd name="connsiteY13" fmla="*/ 0 h 4174877"/>
-              <a:gd name="connsiteX14" fmla="*/ 8024365 w 13373942"/>
-              <a:gd name="connsiteY14" fmla="*/ 0 h 4174877"/>
-              <a:gd name="connsiteX15" fmla="*/ 8291844 w 13373942"/>
-              <a:gd name="connsiteY15" fmla="*/ 0 h 4174877"/>
-              <a:gd name="connsiteX16" fmla="*/ 8693062 w 13373942"/>
-              <a:gd name="connsiteY16" fmla="*/ 0 h 4174877"/>
-              <a:gd name="connsiteX17" fmla="*/ 9495499 w 13373942"/>
-              <a:gd name="connsiteY17" fmla="*/ 0 h 4174877"/>
-              <a:gd name="connsiteX18" fmla="*/ 9896717 w 13373942"/>
-              <a:gd name="connsiteY18" fmla="*/ 0 h 4174877"/>
-              <a:gd name="connsiteX19" fmla="*/ 10164196 w 13373942"/>
-              <a:gd name="connsiteY19" fmla="*/ 0 h 4174877"/>
-              <a:gd name="connsiteX20" fmla="*/ 10966632 w 13373942"/>
-              <a:gd name="connsiteY20" fmla="*/ 0 h 4174877"/>
-              <a:gd name="connsiteX21" fmla="*/ 11902808 w 13373942"/>
-              <a:gd name="connsiteY21" fmla="*/ 0 h 4174877"/>
-              <a:gd name="connsiteX22" fmla="*/ 13373942 w 13373942"/>
-              <a:gd name="connsiteY22" fmla="*/ 0 h 4174877"/>
-              <a:gd name="connsiteX23" fmla="*/ 13373942 w 13373942"/>
-              <a:gd name="connsiteY23" fmla="*/ 612315 h 4174877"/>
-              <a:gd name="connsiteX24" fmla="*/ 13373942 w 13373942"/>
-              <a:gd name="connsiteY24" fmla="*/ 1391626 h 4174877"/>
-              <a:gd name="connsiteX25" fmla="*/ 13373942 w 13373942"/>
-              <a:gd name="connsiteY25" fmla="*/ 1962192 h 4174877"/>
-              <a:gd name="connsiteX26" fmla="*/ 13373942 w 13373942"/>
-              <a:gd name="connsiteY26" fmla="*/ 2616256 h 4174877"/>
-              <a:gd name="connsiteX27" fmla="*/ 13373942 w 13373942"/>
-              <a:gd name="connsiteY27" fmla="*/ 3186823 h 4174877"/>
-              <a:gd name="connsiteX28" fmla="*/ 13373942 w 13373942"/>
-              <a:gd name="connsiteY28" fmla="*/ 4174877 h 4174877"/>
-              <a:gd name="connsiteX29" fmla="*/ 12838984 w 13373942"/>
-              <a:gd name="connsiteY29" fmla="*/ 4174877 h 4174877"/>
-              <a:gd name="connsiteX30" fmla="*/ 12036548 w 13373942"/>
-              <a:gd name="connsiteY30" fmla="*/ 4174877 h 4174877"/>
-              <a:gd name="connsiteX31" fmla="*/ 11769069 w 13373942"/>
-              <a:gd name="connsiteY31" fmla="*/ 4174877 h 4174877"/>
-              <a:gd name="connsiteX32" fmla="*/ 11100372 w 13373942"/>
-              <a:gd name="connsiteY32" fmla="*/ 4174877 h 4174877"/>
-              <a:gd name="connsiteX33" fmla="*/ 10699154 w 13373942"/>
-              <a:gd name="connsiteY33" fmla="*/ 4174877 h 4174877"/>
-              <a:gd name="connsiteX34" fmla="*/ 10297935 w 13373942"/>
-              <a:gd name="connsiteY34" fmla="*/ 4174877 h 4174877"/>
-              <a:gd name="connsiteX35" fmla="*/ 9896717 w 13373942"/>
-              <a:gd name="connsiteY35" fmla="*/ 4174877 h 4174877"/>
-              <a:gd name="connsiteX36" fmla="*/ 9495499 w 13373942"/>
-              <a:gd name="connsiteY36" fmla="*/ 4174877 h 4174877"/>
-              <a:gd name="connsiteX37" fmla="*/ 8559323 w 13373942"/>
-              <a:gd name="connsiteY37" fmla="*/ 4174877 h 4174877"/>
-              <a:gd name="connsiteX38" fmla="*/ 7623147 w 13373942"/>
-              <a:gd name="connsiteY38" fmla="*/ 4174877 h 4174877"/>
-              <a:gd name="connsiteX39" fmla="*/ 6954450 w 13373942"/>
-              <a:gd name="connsiteY39" fmla="*/ 4174877 h 4174877"/>
-              <a:gd name="connsiteX40" fmla="*/ 6419492 w 13373942"/>
-              <a:gd name="connsiteY40" fmla="*/ 4174877 h 4174877"/>
-              <a:gd name="connsiteX41" fmla="*/ 5884534 w 13373942"/>
-              <a:gd name="connsiteY41" fmla="*/ 4174877 h 4174877"/>
-              <a:gd name="connsiteX42" fmla="*/ 5483316 w 13373942"/>
-              <a:gd name="connsiteY42" fmla="*/ 4174877 h 4174877"/>
-              <a:gd name="connsiteX43" fmla="*/ 4814619 w 13373942"/>
-              <a:gd name="connsiteY43" fmla="*/ 4174877 h 4174877"/>
-              <a:gd name="connsiteX44" fmla="*/ 4145922 w 13373942"/>
-              <a:gd name="connsiteY44" fmla="*/ 4174877 h 4174877"/>
-              <a:gd name="connsiteX45" fmla="*/ 3343485 w 13373942"/>
-              <a:gd name="connsiteY45" fmla="*/ 4174877 h 4174877"/>
-              <a:gd name="connsiteX46" fmla="*/ 2407310 w 13373942"/>
-              <a:gd name="connsiteY46" fmla="*/ 4174877 h 4174877"/>
-              <a:gd name="connsiteX47" fmla="*/ 1738612 w 13373942"/>
-              <a:gd name="connsiteY47" fmla="*/ 4174877 h 4174877"/>
-              <a:gd name="connsiteX48" fmla="*/ 1471134 w 13373942"/>
-              <a:gd name="connsiteY48" fmla="*/ 4174877 h 4174877"/>
-              <a:gd name="connsiteX49" fmla="*/ 668697 w 13373942"/>
-              <a:gd name="connsiteY49" fmla="*/ 4174877 h 4174877"/>
-              <a:gd name="connsiteX50" fmla="*/ 0 w 13373942"/>
-              <a:gd name="connsiteY50" fmla="*/ 4174877 h 4174877"/>
-              <a:gd name="connsiteX51" fmla="*/ 0 w 13373942"/>
-              <a:gd name="connsiteY51" fmla="*/ 3395567 h 4174877"/>
-              <a:gd name="connsiteX52" fmla="*/ 0 w 13373942"/>
-              <a:gd name="connsiteY52" fmla="*/ 2699754 h 4174877"/>
-              <a:gd name="connsiteX53" fmla="*/ 0 w 13373942"/>
-              <a:gd name="connsiteY53" fmla="*/ 2003941 h 4174877"/>
-              <a:gd name="connsiteX54" fmla="*/ 0 w 13373942"/>
-              <a:gd name="connsiteY54" fmla="*/ 1433374 h 4174877"/>
-              <a:gd name="connsiteX55" fmla="*/ 0 w 13373942"/>
-              <a:gd name="connsiteY55" fmla="*/ 862808 h 4174877"/>
-              <a:gd name="connsiteX56" fmla="*/ 0 w 13373942"/>
-              <a:gd name="connsiteY56" fmla="*/ 0 h 4174877"/>
-            </a:gdLst>
-            <a:ahLst/>
-            <a:cxnLst>
-              <a:cxn ang="0">
-                <a:pos x="connsiteX0" y="connsiteY0"/>
-              </a:cxn>
-              <a:cxn ang="0">
-                <a:pos x="connsiteX1" y="connsiteY1"/>
-              </a:cxn>
-              <a:cxn ang="0">
-                <a:pos x="connsiteX2" y="connsiteY2"/>
-              </a:cxn>
-              <a:cxn ang="0">
-                <a:pos x="connsiteX3" y="connsiteY3"/>
-              </a:cxn>
-              <a:cxn ang="0">
-                <a:pos x="connsiteX4" y="connsiteY4"/>
-              </a:cxn>
-              <a:cxn ang="0">
-                <a:pos x="connsiteX5" y="connsiteY5"/>
-              </a:cxn>
-              <a:cxn ang="0">
-                <a:pos x="connsiteX6" y="connsiteY6"/>
-              </a:cxn>
-              <a:cxn ang="0">
-                <a:pos x="connsiteX7" y="connsiteY7"/>
-              </a:cxn>
-              <a:cxn ang="0">
-                <a:pos x="connsiteX8" y="connsiteY8"/>
-              </a:cxn>
-              <a:cxn ang="0">
-                <a:pos x="connsiteX9" y="connsiteY9"/>
-              </a:cxn>
-              <a:cxn ang="0">
-                <a:pos x="connsiteX10" y="connsiteY10"/>
-              </a:cxn>
-              <a:cxn ang="0">
-                <a:pos x="connsiteX11" y="connsiteY11"/>
-              </a:cxn>
-              <a:cxn ang="0">
-                <a:pos x="connsiteX12" y="connsiteY12"/>
-              </a:cxn>
-              <a:cxn ang="0">
-                <a:pos x="connsiteX13" y="connsiteY13"/>
-              </a:cxn>
-              <a:cxn ang="0">
-                <a:pos x="connsiteX14" y="connsiteY14"/>
-              </a:cxn>
-              <a:cxn ang="0">
-                <a:pos x="connsiteX15" y="connsiteY15"/>
-              </a:cxn>
-              <a:cxn ang="0">
-                <a:pos x="connsiteX16" y="connsiteY16"/>
-              </a:cxn>
-              <a:cxn ang="0">
-                <a:pos x="connsiteX17" y="connsiteY17"/>
-              </a:cxn>
-              <a:cxn ang="0">
-                <a:pos x="connsiteX18" y="connsiteY18"/>
-              </a:cxn>
-              <a:cxn ang="0">
-                <a:pos x="connsiteX19" y="connsiteY19"/>
-              </a:cxn>
-              <a:cxn ang="0">
-                <a:pos x="connsiteX20" y="connsiteY20"/>
-              </a:cxn>
-              <a:cxn ang="0">
-                <a:pos x="connsiteX21" y="connsiteY21"/>
-              </a:cxn>
-              <a:cxn ang="0">
-                <a:pos x="connsiteX22" y="connsiteY22"/>
-              </a:cxn>
-              <a:cxn ang="0">
-                <a:pos x="connsiteX23" y="connsiteY23"/>
-              </a:cxn>
-              <a:cxn ang="0">
-                <a:pos x="connsiteX24" y="connsiteY24"/>
-              </a:cxn>
-              <a:cxn ang="0">
-                <a:pos x="connsiteX25" y="connsiteY25"/>
-              </a:cxn>
-              <a:cxn ang="0">
-                <a:pos x="connsiteX26" y="connsiteY26"/>
-              </a:cxn>
-              <a:cxn ang="0">
-                <a:pos x="connsiteX27" y="connsiteY27"/>
-              </a:cxn>
-              <a:cxn ang="0">
-                <a:pos x="connsiteX28" y="connsiteY28"/>
-              </a:cxn>
-              <a:cxn ang="0">
-                <a:pos x="connsiteX29" y="connsiteY29"/>
-              </a:cxn>
-              <a:cxn ang="0">
-                <a:pos x="connsiteX30" y="connsiteY30"/>
-              </a:cxn>
-              <a:cxn ang="0">
-                <a:pos x="connsiteX31" y="connsiteY31"/>
-              </a:cxn>
-              <a:cxn ang="0">
-                <a:pos x="connsiteX32" y="connsiteY32"/>
-              </a:cxn>
-              <a:cxn ang="0">
-                <a:pos x="connsiteX33" y="connsiteY33"/>
-              </a:cxn>
-              <a:cxn ang="0">
-                <a:pos x="connsiteX34" y="connsiteY34"/>
-              </a:cxn>
-              <a:cxn ang="0">
-                <a:pos x="connsiteX35" y="connsiteY35"/>
-              </a:cxn>
-              <a:cxn ang="0">
-                <a:pos x="connsiteX36" y="connsiteY36"/>
-              </a:cxn>
-              <a:cxn ang="0">
-                <a:pos x="connsiteX37" y="connsiteY37"/>
-              </a:cxn>
-              <a:cxn ang="0">
-                <a:pos x="connsiteX38" y="connsiteY38"/>
-              </a:cxn>
-              <a:cxn ang="0">
-                <a:pos x="connsiteX39" y="connsiteY39"/>
-              </a:cxn>
-              <a:cxn ang="0">
-                <a:pos x="connsiteX40" y="connsiteY40"/>
-              </a:cxn>
-              <a:cxn ang="0">
-                <a:pos x="connsiteX41" y="connsiteY41"/>
-              </a:cxn>
-              <a:cxn ang="0">
-                <a:pos x="connsiteX42" y="connsiteY42"/>
-              </a:cxn>
-              <a:cxn ang="0">
-                <a:pos x="connsiteX43" y="connsiteY43"/>
-              </a:cxn>
-              <a:cxn ang="0">
-                <a:pos x="connsiteX44" y="connsiteY44"/>
-              </a:cxn>
-              <a:cxn ang="0">
-                <a:pos x="connsiteX45" y="connsiteY45"/>
-              </a:cxn>
-              <a:cxn ang="0">
-                <a:pos x="connsiteX46" y="connsiteY46"/>
-              </a:cxn>
-              <a:cxn ang="0">
-                <a:pos x="connsiteX47" y="connsiteY47"/>
-              </a:cxn>
-              <a:cxn ang="0">
-                <a:pos x="connsiteX48" y="connsiteY48"/>
-              </a:cxn>
-              <a:cxn ang="0">
-                <a:pos x="connsiteX49" y="connsiteY49"/>
-              </a:cxn>
-              <a:cxn ang="0">
-                <a:pos x="connsiteX50" y="connsiteY50"/>
-              </a:cxn>
-              <a:cxn ang="0">
-                <a:pos x="connsiteX51" y="connsiteY51"/>
-              </a:cxn>
-              <a:cxn ang="0">
-                <a:pos x="connsiteX52" y="connsiteY52"/>
-              </a:cxn>
-              <a:cxn ang="0">
-                <a:pos x="connsiteX53" y="connsiteY53"/>
-              </a:cxn>
-              <a:cxn ang="0">
-                <a:pos x="connsiteX54" y="connsiteY54"/>
-              </a:cxn>
-              <a:cxn ang="0">
-                <a:pos x="connsiteX55" y="connsiteY55"/>
-              </a:cxn>
-              <a:cxn ang="0">
-                <a:pos x="connsiteX56" y="connsiteY56"/>
-              </a:cxn>
-            </a:cxnLst>
-            <a:rect l="l" t="t" r="r" b="b"/>
-            <a:pathLst>
-              <a:path w="13373942" h="4174877" fill="none" extrusionOk="0">
-                <a:moveTo>
-                  <a:pt x="0" y="0"/>
-                </a:moveTo>
-                <a:cubicBezTo>
-                  <a:pt x="123045" y="-5311"/>
-                  <a:pt x="182599" y="-11463"/>
-                  <a:pt x="267479" y="0"/>
-                </a:cubicBezTo>
-                <a:cubicBezTo>
-                  <a:pt x="352359" y="11463"/>
-                  <a:pt x="982411" y="-44259"/>
-                  <a:pt x="1203655" y="0"/>
-                </a:cubicBezTo>
-                <a:cubicBezTo>
-                  <a:pt x="1424899" y="44259"/>
-                  <a:pt x="1393159" y="11942"/>
-                  <a:pt x="1471134" y="0"/>
-                </a:cubicBezTo>
-                <a:cubicBezTo>
-                  <a:pt x="1549109" y="-11942"/>
-                  <a:pt x="1613788" y="-2489"/>
-                  <a:pt x="1738612" y="0"/>
-                </a:cubicBezTo>
-                <a:cubicBezTo>
-                  <a:pt x="1863436" y="2489"/>
-                  <a:pt x="2050837" y="21132"/>
-                  <a:pt x="2273570" y="0"/>
-                </a:cubicBezTo>
-                <a:cubicBezTo>
-                  <a:pt x="2496303" y="-21132"/>
-                  <a:pt x="2788115" y="-34327"/>
-                  <a:pt x="3076007" y="0"/>
-                </a:cubicBezTo>
-                <a:cubicBezTo>
-                  <a:pt x="3363899" y="34327"/>
-                  <a:pt x="3595217" y="35824"/>
-                  <a:pt x="4012183" y="0"/>
-                </a:cubicBezTo>
-                <a:cubicBezTo>
-                  <a:pt x="4429149" y="-35824"/>
-                  <a:pt x="4151359" y="-4571"/>
-                  <a:pt x="4279661" y="0"/>
-                </a:cubicBezTo>
-                <a:cubicBezTo>
-                  <a:pt x="4407963" y="4571"/>
-                  <a:pt x="4483917" y="375"/>
-                  <a:pt x="4680880" y="0"/>
-                </a:cubicBezTo>
-                <a:cubicBezTo>
-                  <a:pt x="4877843" y="-375"/>
-                  <a:pt x="5056039" y="-20704"/>
-                  <a:pt x="5215837" y="0"/>
-                </a:cubicBezTo>
-                <a:cubicBezTo>
-                  <a:pt x="5375635" y="20704"/>
-                  <a:pt x="5522687" y="9164"/>
-                  <a:pt x="5617056" y="0"/>
-                </a:cubicBezTo>
-                <a:cubicBezTo>
-                  <a:pt x="5711425" y="-9164"/>
-                  <a:pt x="6251433" y="20548"/>
-                  <a:pt x="6419492" y="0"/>
-                </a:cubicBezTo>
-                <a:cubicBezTo>
-                  <a:pt x="6587551" y="-20548"/>
-                  <a:pt x="6821825" y="-10485"/>
-                  <a:pt x="7088189" y="0"/>
-                </a:cubicBezTo>
-                <a:cubicBezTo>
-                  <a:pt x="7354553" y="10485"/>
-                  <a:pt x="7617585" y="31617"/>
-                  <a:pt x="8024365" y="0"/>
-                </a:cubicBezTo>
-                <a:cubicBezTo>
-                  <a:pt x="8431145" y="-31617"/>
-                  <a:pt x="8224360" y="-5158"/>
-                  <a:pt x="8291844" y="0"/>
-                </a:cubicBezTo>
-                <a:cubicBezTo>
-                  <a:pt x="8359328" y="5158"/>
-                  <a:pt x="8553122" y="15499"/>
-                  <a:pt x="8693062" y="0"/>
-                </a:cubicBezTo>
-                <a:cubicBezTo>
-                  <a:pt x="8833002" y="-15499"/>
-                  <a:pt x="9201959" y="34888"/>
-                  <a:pt x="9495499" y="0"/>
-                </a:cubicBezTo>
-                <a:cubicBezTo>
-                  <a:pt x="9789039" y="-34888"/>
-                  <a:pt x="9733492" y="-6223"/>
-                  <a:pt x="9896717" y="0"/>
-                </a:cubicBezTo>
-                <a:cubicBezTo>
-                  <a:pt x="10059942" y="6223"/>
-                  <a:pt x="10085777" y="-12073"/>
-                  <a:pt x="10164196" y="0"/>
-                </a:cubicBezTo>
-                <a:cubicBezTo>
-                  <a:pt x="10242615" y="12073"/>
-                  <a:pt x="10689896" y="-20677"/>
-                  <a:pt x="10966632" y="0"/>
-                </a:cubicBezTo>
-                <a:cubicBezTo>
-                  <a:pt x="11243368" y="20677"/>
-                  <a:pt x="11626412" y="-24605"/>
-                  <a:pt x="11902808" y="0"/>
-                </a:cubicBezTo>
-                <a:cubicBezTo>
-                  <a:pt x="12179204" y="24605"/>
-                  <a:pt x="12998551" y="-29112"/>
-                  <a:pt x="13373942" y="0"/>
-                </a:cubicBezTo>
-                <a:cubicBezTo>
-                  <a:pt x="13390898" y="301543"/>
-                  <a:pt x="13358499" y="425673"/>
-                  <a:pt x="13373942" y="612315"/>
-                </a:cubicBezTo>
-                <a:cubicBezTo>
-                  <a:pt x="13389385" y="798957"/>
-                  <a:pt x="13373345" y="1196278"/>
-                  <a:pt x="13373942" y="1391626"/>
-                </a:cubicBezTo>
-                <a:cubicBezTo>
-                  <a:pt x="13374539" y="1586974"/>
-                  <a:pt x="13389302" y="1750132"/>
-                  <a:pt x="13373942" y="1962192"/>
-                </a:cubicBezTo>
-                <a:cubicBezTo>
-                  <a:pt x="13358582" y="2174252"/>
-                  <a:pt x="13359557" y="2373541"/>
-                  <a:pt x="13373942" y="2616256"/>
-                </a:cubicBezTo>
-                <a:cubicBezTo>
-                  <a:pt x="13388327" y="2858971"/>
-                  <a:pt x="13360611" y="3066741"/>
-                  <a:pt x="13373942" y="3186823"/>
-                </a:cubicBezTo>
-                <a:cubicBezTo>
-                  <a:pt x="13387273" y="3306905"/>
-                  <a:pt x="13403187" y="3812797"/>
-                  <a:pt x="13373942" y="4174877"/>
-                </a:cubicBezTo>
-                <a:cubicBezTo>
-                  <a:pt x="13212956" y="4151683"/>
-                  <a:pt x="13005336" y="4177731"/>
-                  <a:pt x="12838984" y="4174877"/>
-                </a:cubicBezTo>
-                <a:cubicBezTo>
-                  <a:pt x="12672632" y="4172023"/>
-                  <a:pt x="12294902" y="4185137"/>
-                  <a:pt x="12036548" y="4174877"/>
-                </a:cubicBezTo>
-                <a:cubicBezTo>
-                  <a:pt x="11778194" y="4164617"/>
-                  <a:pt x="11899612" y="4173679"/>
-                  <a:pt x="11769069" y="4174877"/>
-                </a:cubicBezTo>
-                <a:cubicBezTo>
-                  <a:pt x="11638526" y="4176075"/>
-                  <a:pt x="11424027" y="4203155"/>
-                  <a:pt x="11100372" y="4174877"/>
-                </a:cubicBezTo>
-                <a:cubicBezTo>
-                  <a:pt x="10776717" y="4146599"/>
-                  <a:pt x="10887452" y="4171160"/>
-                  <a:pt x="10699154" y="4174877"/>
-                </a:cubicBezTo>
-                <a:cubicBezTo>
-                  <a:pt x="10510856" y="4178594"/>
-                  <a:pt x="10474518" y="4178095"/>
-                  <a:pt x="10297935" y="4174877"/>
-                </a:cubicBezTo>
-                <a:cubicBezTo>
-                  <a:pt x="10121352" y="4171659"/>
-                  <a:pt x="10093095" y="4158374"/>
-                  <a:pt x="9896717" y="4174877"/>
-                </a:cubicBezTo>
-                <a:cubicBezTo>
-                  <a:pt x="9700339" y="4191380"/>
-                  <a:pt x="9687276" y="4175787"/>
-                  <a:pt x="9495499" y="4174877"/>
-                </a:cubicBezTo>
-                <a:cubicBezTo>
-                  <a:pt x="9303722" y="4173967"/>
-                  <a:pt x="8858710" y="4187560"/>
-                  <a:pt x="8559323" y="4174877"/>
-                </a:cubicBezTo>
-                <a:cubicBezTo>
-                  <a:pt x="8259936" y="4162194"/>
-                  <a:pt x="8000134" y="4177209"/>
-                  <a:pt x="7623147" y="4174877"/>
-                </a:cubicBezTo>
-                <a:cubicBezTo>
-                  <a:pt x="7246160" y="4172545"/>
-                  <a:pt x="7216478" y="4157626"/>
-                  <a:pt x="6954450" y="4174877"/>
-                </a:cubicBezTo>
-                <a:cubicBezTo>
-                  <a:pt x="6692422" y="4192128"/>
-                  <a:pt x="6617962" y="4175735"/>
-                  <a:pt x="6419492" y="4174877"/>
-                </a:cubicBezTo>
-                <a:cubicBezTo>
-                  <a:pt x="6221022" y="4174019"/>
-                  <a:pt x="6033135" y="4181756"/>
-                  <a:pt x="5884534" y="4174877"/>
-                </a:cubicBezTo>
-                <a:cubicBezTo>
-                  <a:pt x="5735933" y="4167998"/>
-                  <a:pt x="5680899" y="4194249"/>
-                  <a:pt x="5483316" y="4174877"/>
-                </a:cubicBezTo>
-                <a:cubicBezTo>
-                  <a:pt x="5285733" y="4155505"/>
-                  <a:pt x="5000005" y="4187040"/>
-                  <a:pt x="4814619" y="4174877"/>
-                </a:cubicBezTo>
-                <a:cubicBezTo>
-                  <a:pt x="4629233" y="4162714"/>
-                  <a:pt x="4310747" y="4152940"/>
-                  <a:pt x="4145922" y="4174877"/>
-                </a:cubicBezTo>
-                <a:cubicBezTo>
-                  <a:pt x="3981097" y="4196814"/>
-                  <a:pt x="3731312" y="4175383"/>
-                  <a:pt x="3343485" y="4174877"/>
-                </a:cubicBezTo>
-                <a:cubicBezTo>
-                  <a:pt x="2955658" y="4174371"/>
-                  <a:pt x="2760395" y="4142694"/>
-                  <a:pt x="2407310" y="4174877"/>
-                </a:cubicBezTo>
-                <a:cubicBezTo>
-                  <a:pt x="2054225" y="4207060"/>
-                  <a:pt x="1983427" y="4207969"/>
-                  <a:pt x="1738612" y="4174877"/>
-                </a:cubicBezTo>
-                <a:cubicBezTo>
-                  <a:pt x="1493797" y="4141785"/>
-                  <a:pt x="1526203" y="4186184"/>
-                  <a:pt x="1471134" y="4174877"/>
-                </a:cubicBezTo>
-                <a:cubicBezTo>
-                  <a:pt x="1416065" y="4163570"/>
-                  <a:pt x="842974" y="4165958"/>
-                  <a:pt x="668697" y="4174877"/>
-                </a:cubicBezTo>
-                <a:cubicBezTo>
-                  <a:pt x="494420" y="4183796"/>
-                  <a:pt x="258000" y="4172458"/>
-                  <a:pt x="0" y="4174877"/>
-                </a:cubicBezTo>
-                <a:cubicBezTo>
-                  <a:pt x="599" y="3912327"/>
-                  <a:pt x="26682" y="3629660"/>
-                  <a:pt x="0" y="3395567"/>
-                </a:cubicBezTo>
-                <a:cubicBezTo>
-                  <a:pt x="-26682" y="3161474"/>
-                  <a:pt x="-33004" y="2996115"/>
-                  <a:pt x="0" y="2699754"/>
-                </a:cubicBezTo>
-                <a:cubicBezTo>
-                  <a:pt x="33004" y="2403393"/>
-                  <a:pt x="29271" y="2305413"/>
-                  <a:pt x="0" y="2003941"/>
-                </a:cubicBezTo>
-                <a:cubicBezTo>
-                  <a:pt x="-29271" y="1702469"/>
-                  <a:pt x="-28233" y="1668959"/>
-                  <a:pt x="0" y="1433374"/>
-                </a:cubicBezTo>
-                <a:cubicBezTo>
-                  <a:pt x="28233" y="1197789"/>
-                  <a:pt x="-8832" y="1029730"/>
-                  <a:pt x="0" y="862808"/>
-                </a:cubicBezTo>
-                <a:cubicBezTo>
-                  <a:pt x="8832" y="695886"/>
-                  <a:pt x="6976" y="224939"/>
-                  <a:pt x="0" y="0"/>
-                </a:cubicBezTo>
-                <a:close/>
-              </a:path>
-              <a:path w="13373942" h="4174877" stroke="0" extrusionOk="0">
-                <a:moveTo>
-                  <a:pt x="0" y="0"/>
-                </a:moveTo>
-                <a:cubicBezTo>
-                  <a:pt x="231328" y="6604"/>
-                  <a:pt x="344306" y="-23872"/>
-                  <a:pt x="534958" y="0"/>
-                </a:cubicBezTo>
-                <a:cubicBezTo>
-                  <a:pt x="725610" y="23872"/>
-                  <a:pt x="876876" y="-8526"/>
-                  <a:pt x="1069915" y="0"/>
-                </a:cubicBezTo>
-                <a:cubicBezTo>
-                  <a:pt x="1262954" y="8526"/>
-                  <a:pt x="1270249" y="9510"/>
-                  <a:pt x="1337394" y="0"/>
-                </a:cubicBezTo>
-                <a:cubicBezTo>
-                  <a:pt x="1404539" y="-9510"/>
-                  <a:pt x="1496138" y="-3119"/>
-                  <a:pt x="1604873" y="0"/>
-                </a:cubicBezTo>
-                <a:cubicBezTo>
-                  <a:pt x="1713608" y="3119"/>
-                  <a:pt x="1917387" y="5728"/>
-                  <a:pt x="2139831" y="0"/>
-                </a:cubicBezTo>
-                <a:cubicBezTo>
-                  <a:pt x="2362275" y="-5728"/>
-                  <a:pt x="2511321" y="26980"/>
-                  <a:pt x="2808528" y="0"/>
-                </a:cubicBezTo>
-                <a:cubicBezTo>
-                  <a:pt x="3105735" y="-26980"/>
-                  <a:pt x="3342023" y="37259"/>
-                  <a:pt x="3744704" y="0"/>
-                </a:cubicBezTo>
-                <a:cubicBezTo>
-                  <a:pt x="4147385" y="-37259"/>
-                  <a:pt x="4040443" y="-20564"/>
-                  <a:pt x="4279661" y="0"/>
-                </a:cubicBezTo>
-                <a:cubicBezTo>
-                  <a:pt x="4518879" y="20564"/>
-                  <a:pt x="4485986" y="-16374"/>
-                  <a:pt x="4680880" y="0"/>
-                </a:cubicBezTo>
-                <a:cubicBezTo>
-                  <a:pt x="4875774" y="16374"/>
-                  <a:pt x="4938659" y="14639"/>
-                  <a:pt x="5082098" y="0"/>
-                </a:cubicBezTo>
-                <a:cubicBezTo>
-                  <a:pt x="5225537" y="-14639"/>
-                  <a:pt x="5569246" y="6665"/>
-                  <a:pt x="5884534" y="0"/>
-                </a:cubicBezTo>
-                <a:cubicBezTo>
-                  <a:pt x="6199822" y="-6665"/>
-                  <a:pt x="6392649" y="-4887"/>
-                  <a:pt x="6553232" y="0"/>
-                </a:cubicBezTo>
-                <a:cubicBezTo>
-                  <a:pt x="6713815" y="4887"/>
-                  <a:pt x="6732642" y="-9156"/>
-                  <a:pt x="6820710" y="0"/>
-                </a:cubicBezTo>
-                <a:cubicBezTo>
-                  <a:pt x="6908778" y="9156"/>
-                  <a:pt x="7220988" y="-32963"/>
-                  <a:pt x="7489408" y="0"/>
-                </a:cubicBezTo>
-                <a:cubicBezTo>
-                  <a:pt x="7757828" y="32963"/>
-                  <a:pt x="8046520" y="-34440"/>
-                  <a:pt x="8291844" y="0"/>
-                </a:cubicBezTo>
-                <a:cubicBezTo>
-                  <a:pt x="8537168" y="34440"/>
-                  <a:pt x="8797287" y="-4531"/>
-                  <a:pt x="9094281" y="0"/>
-                </a:cubicBezTo>
-                <a:cubicBezTo>
-                  <a:pt x="9391275" y="4531"/>
-                  <a:pt x="9365412" y="-5897"/>
-                  <a:pt x="9495499" y="0"/>
-                </a:cubicBezTo>
-                <a:cubicBezTo>
-                  <a:pt x="9625586" y="5897"/>
-                  <a:pt x="9675925" y="11804"/>
-                  <a:pt x="9762978" y="0"/>
-                </a:cubicBezTo>
-                <a:cubicBezTo>
-                  <a:pt x="9850031" y="-11804"/>
-                  <a:pt x="10331505" y="-27004"/>
-                  <a:pt x="10565414" y="0"/>
-                </a:cubicBezTo>
-                <a:cubicBezTo>
-                  <a:pt x="10799323" y="27004"/>
-                  <a:pt x="10868832" y="18824"/>
-                  <a:pt x="10966632" y="0"/>
-                </a:cubicBezTo>
-                <a:cubicBezTo>
-                  <a:pt x="11064432" y="-18824"/>
-                  <a:pt x="11499256" y="12311"/>
-                  <a:pt x="11769069" y="0"/>
-                </a:cubicBezTo>
-                <a:cubicBezTo>
-                  <a:pt x="12038882" y="-12311"/>
-                  <a:pt x="12085224" y="-10424"/>
-                  <a:pt x="12170287" y="0"/>
-                </a:cubicBezTo>
-                <a:cubicBezTo>
-                  <a:pt x="12255350" y="10424"/>
-                  <a:pt x="13032117" y="-58817"/>
-                  <a:pt x="13373942" y="0"/>
-                </a:cubicBezTo>
-                <a:cubicBezTo>
-                  <a:pt x="13371014" y="223983"/>
-                  <a:pt x="13341576" y="503712"/>
-                  <a:pt x="13373942" y="654064"/>
-                </a:cubicBezTo>
-                <a:cubicBezTo>
-                  <a:pt x="13406308" y="804416"/>
-                  <a:pt x="13339775" y="1014593"/>
-                  <a:pt x="13373942" y="1349877"/>
-                </a:cubicBezTo>
-                <a:cubicBezTo>
-                  <a:pt x="13408109" y="1685161"/>
-                  <a:pt x="13381035" y="1721165"/>
-                  <a:pt x="13373942" y="2045690"/>
-                </a:cubicBezTo>
-                <a:cubicBezTo>
-                  <a:pt x="13366849" y="2370215"/>
-                  <a:pt x="13347414" y="2653456"/>
-                  <a:pt x="13373942" y="2825000"/>
-                </a:cubicBezTo>
-                <a:cubicBezTo>
-                  <a:pt x="13400471" y="2996544"/>
-                  <a:pt x="13342865" y="3326539"/>
-                  <a:pt x="13373942" y="3520813"/>
-                </a:cubicBezTo>
-                <a:cubicBezTo>
-                  <a:pt x="13405019" y="3715087"/>
-                  <a:pt x="13355496" y="3909729"/>
-                  <a:pt x="13373942" y="4174877"/>
-                </a:cubicBezTo>
-                <a:cubicBezTo>
-                  <a:pt x="13143710" y="4182320"/>
-                  <a:pt x="12917281" y="4187952"/>
-                  <a:pt x="12571505" y="4174877"/>
-                </a:cubicBezTo>
-                <a:cubicBezTo>
-                  <a:pt x="12225729" y="4161802"/>
-                  <a:pt x="12260488" y="4155941"/>
-                  <a:pt x="12170287" y="4174877"/>
-                </a:cubicBezTo>
-                <a:cubicBezTo>
-                  <a:pt x="12080086" y="4193813"/>
-                  <a:pt x="11992436" y="4172912"/>
-                  <a:pt x="11902808" y="4174877"/>
-                </a:cubicBezTo>
-                <a:cubicBezTo>
-                  <a:pt x="11813180" y="4176842"/>
-                  <a:pt x="11621717" y="4167594"/>
-                  <a:pt x="11501590" y="4174877"/>
-                </a:cubicBezTo>
-                <a:cubicBezTo>
-                  <a:pt x="11381463" y="4182160"/>
-                  <a:pt x="11080806" y="4176020"/>
-                  <a:pt x="10966632" y="4174877"/>
-                </a:cubicBezTo>
-                <a:cubicBezTo>
-                  <a:pt x="10852458" y="4173734"/>
-                  <a:pt x="10541634" y="4182427"/>
-                  <a:pt x="10164196" y="4174877"/>
-                </a:cubicBezTo>
-                <a:cubicBezTo>
-                  <a:pt x="9786758" y="4167327"/>
-                  <a:pt x="9930168" y="4170310"/>
-                  <a:pt x="9762978" y="4174877"/>
-                </a:cubicBezTo>
-                <a:cubicBezTo>
-                  <a:pt x="9595788" y="4179444"/>
-                  <a:pt x="9525086" y="4177876"/>
-                  <a:pt x="9361759" y="4174877"/>
-                </a:cubicBezTo>
-                <a:cubicBezTo>
-                  <a:pt x="9198432" y="4171878"/>
-                  <a:pt x="8964041" y="4153666"/>
-                  <a:pt x="8826802" y="4174877"/>
-                </a:cubicBezTo>
-                <a:cubicBezTo>
-                  <a:pt x="8689563" y="4196088"/>
-                  <a:pt x="8300676" y="4171615"/>
-                  <a:pt x="8158105" y="4174877"/>
-                </a:cubicBezTo>
-                <a:cubicBezTo>
-                  <a:pt x="8015534" y="4178139"/>
-                  <a:pt x="7839406" y="4186927"/>
-                  <a:pt x="7756886" y="4174877"/>
-                </a:cubicBezTo>
-                <a:cubicBezTo>
-                  <a:pt x="7674366" y="4162827"/>
-                  <a:pt x="7255786" y="4168956"/>
-                  <a:pt x="7088189" y="4174877"/>
-                </a:cubicBezTo>
-                <a:cubicBezTo>
-                  <a:pt x="6920592" y="4180798"/>
-                  <a:pt x="6809276" y="4179587"/>
-                  <a:pt x="6686971" y="4174877"/>
-                </a:cubicBezTo>
-                <a:cubicBezTo>
-                  <a:pt x="6564666" y="4170167"/>
-                  <a:pt x="6236345" y="4188761"/>
-                  <a:pt x="5884534" y="4174877"/>
-                </a:cubicBezTo>
-                <a:cubicBezTo>
-                  <a:pt x="5532723" y="4160993"/>
-                  <a:pt x="5681774" y="4174929"/>
-                  <a:pt x="5617056" y="4174877"/>
-                </a:cubicBezTo>
-                <a:cubicBezTo>
-                  <a:pt x="5552338" y="4174825"/>
-                  <a:pt x="4977849" y="4188417"/>
-                  <a:pt x="4680880" y="4174877"/>
-                </a:cubicBezTo>
-                <a:cubicBezTo>
-                  <a:pt x="4383911" y="4161337"/>
-                  <a:pt x="4438351" y="4186404"/>
-                  <a:pt x="4279661" y="4174877"/>
-                </a:cubicBezTo>
-                <a:cubicBezTo>
-                  <a:pt x="4120971" y="4163350"/>
-                  <a:pt x="3815458" y="4144341"/>
-                  <a:pt x="3610964" y="4174877"/>
-                </a:cubicBezTo>
-                <a:cubicBezTo>
-                  <a:pt x="3406470" y="4205413"/>
-                  <a:pt x="2877624" y="4150540"/>
-                  <a:pt x="2674788" y="4174877"/>
-                </a:cubicBezTo>
-                <a:cubicBezTo>
-                  <a:pt x="2471952" y="4199214"/>
-                  <a:pt x="2047176" y="4136294"/>
-                  <a:pt x="1738612" y="4174877"/>
-                </a:cubicBezTo>
-                <a:cubicBezTo>
-                  <a:pt x="1430048" y="4213460"/>
-                  <a:pt x="1329040" y="4198195"/>
-                  <a:pt x="1203655" y="4174877"/>
-                </a:cubicBezTo>
-                <a:cubicBezTo>
-                  <a:pt x="1078270" y="4151559"/>
-                  <a:pt x="951556" y="4163229"/>
-                  <a:pt x="802437" y="4174877"/>
-                </a:cubicBezTo>
-                <a:cubicBezTo>
-                  <a:pt x="653318" y="4186525"/>
-                  <a:pt x="256569" y="4159833"/>
-                  <a:pt x="0" y="4174877"/>
-                </a:cubicBezTo>
-                <a:cubicBezTo>
-                  <a:pt x="19032" y="3884790"/>
-                  <a:pt x="-29952" y="3777259"/>
-                  <a:pt x="0" y="3520813"/>
-                </a:cubicBezTo>
-                <a:cubicBezTo>
-                  <a:pt x="29952" y="3264367"/>
-                  <a:pt x="5158" y="3007743"/>
-                  <a:pt x="0" y="2825000"/>
-                </a:cubicBezTo>
-                <a:cubicBezTo>
-                  <a:pt x="-5158" y="2642257"/>
-                  <a:pt x="22721" y="2487081"/>
-                  <a:pt x="0" y="2170936"/>
-                </a:cubicBezTo>
-                <a:cubicBezTo>
-                  <a:pt x="-22721" y="1854791"/>
-                  <a:pt x="4117" y="1846077"/>
-                  <a:pt x="0" y="1558621"/>
-                </a:cubicBezTo>
-                <a:cubicBezTo>
-                  <a:pt x="-4117" y="1271165"/>
-                  <a:pt x="-14667" y="1178491"/>
-                  <a:pt x="0" y="904557"/>
-                </a:cubicBezTo>
-                <a:cubicBezTo>
-                  <a:pt x="14667" y="630623"/>
-                  <a:pt x="-9135" y="245848"/>
-                  <a:pt x="0" y="0"/>
-                </a:cubicBezTo>
-                <a:close/>
-              </a:path>
-            </a:pathLst>
-          </a:custGeom>
-          <a:ln w="19050">
-            <a:solidFill>
-              <a:schemeClr val="tx1"/>
-            </a:solidFill>
-            <a:extLst>
-              <a:ext uri="{C807C97D-BFC1-408E-A445-0C87EB9F89A2}">
-                <ask:lineSketchStyleProps xmlns:ask="http://schemas.microsoft.com/office/drawing/2018/sketchyshapes" sd="164314050">
-                  <ask:type>
-                    <ask:lineSketchFreehand/>
-                  </ask:type>
-                </ask:lineSketchStyleProps>
-              </a:ext>
-            </a:extLst>
-          </a:ln>
-        </p:spPr>
-      </p:pic>
-    </p:spTree>
-    <p:extLst>
-      <p:ext uri="{BB962C8B-B14F-4D97-AF65-F5344CB8AC3E}">
-        <p14:creationId xmlns:p14="http://schemas.microsoft.com/office/powerpoint/2010/main" val="332820050"/>
-      </p:ext>
-    </p:extLst>
-  </p:cSld>
-  <p:clrMapOvr>
-    <a:masterClrMapping/>
-  </p:clrMapOvr>
 </p:sld>
 </file>
 
@@ -11146,6 +10362,995 @@
           </a:p>
         </p:txBody>
       </p:sp>
+      <p:pic>
+        <p:nvPicPr>
+          <p:cNvPr id="5" name="Content Placeholder 4">
+            <a:extLst>
+              <a:ext uri="{FF2B5EF4-FFF2-40B4-BE49-F238E27FC236}">
+                <a16:creationId xmlns:a16="http://schemas.microsoft.com/office/drawing/2014/main" id="{7592FEFF-BC43-1975-B532-24BB215412BE}"/>
+              </a:ext>
+            </a:extLst>
+          </p:cNvPr>
+          <p:cNvPicPr>
+            <a:picLocks noGrp="1" noChangeAspect="1"/>
+          </p:cNvPicPr>
+          <p:nvPr>
+            <p:ph sz="quarter" idx="13"/>
+          </p:nvPr>
+        </p:nvPicPr>
+        <p:blipFill rotWithShape="1">
+          <a:blip r:embed="rId2">
+            <a:extLst>
+              <a:ext uri="{28A0092B-C50C-407E-A947-70E740481C1C}">
+                <a14:useLocalDpi xmlns:a14="http://schemas.microsoft.com/office/drawing/2010/main" val="0"/>
+              </a:ext>
+            </a:extLst>
+          </a:blip>
+          <a:srcRect b="21006"/>
+          <a:stretch/>
+        </p:blipFill>
+        <p:spPr>
+          <a:xfrm>
+            <a:off x="628229" y="2028683"/>
+            <a:ext cx="13373942" cy="4174877"/>
+          </a:xfrm>
+          <a:custGeom>
+            <a:avLst/>
+            <a:gdLst>
+              <a:gd name="connsiteX0" fmla="*/ 0 w 13373942"/>
+              <a:gd name="connsiteY0" fmla="*/ 0 h 4174877"/>
+              <a:gd name="connsiteX1" fmla="*/ 267479 w 13373942"/>
+              <a:gd name="connsiteY1" fmla="*/ 0 h 4174877"/>
+              <a:gd name="connsiteX2" fmla="*/ 1203655 w 13373942"/>
+              <a:gd name="connsiteY2" fmla="*/ 0 h 4174877"/>
+              <a:gd name="connsiteX3" fmla="*/ 1471134 w 13373942"/>
+              <a:gd name="connsiteY3" fmla="*/ 0 h 4174877"/>
+              <a:gd name="connsiteX4" fmla="*/ 1738612 w 13373942"/>
+              <a:gd name="connsiteY4" fmla="*/ 0 h 4174877"/>
+              <a:gd name="connsiteX5" fmla="*/ 2273570 w 13373942"/>
+              <a:gd name="connsiteY5" fmla="*/ 0 h 4174877"/>
+              <a:gd name="connsiteX6" fmla="*/ 3076007 w 13373942"/>
+              <a:gd name="connsiteY6" fmla="*/ 0 h 4174877"/>
+              <a:gd name="connsiteX7" fmla="*/ 4012183 w 13373942"/>
+              <a:gd name="connsiteY7" fmla="*/ 0 h 4174877"/>
+              <a:gd name="connsiteX8" fmla="*/ 4279661 w 13373942"/>
+              <a:gd name="connsiteY8" fmla="*/ 0 h 4174877"/>
+              <a:gd name="connsiteX9" fmla="*/ 4680880 w 13373942"/>
+              <a:gd name="connsiteY9" fmla="*/ 0 h 4174877"/>
+              <a:gd name="connsiteX10" fmla="*/ 5215837 w 13373942"/>
+              <a:gd name="connsiteY10" fmla="*/ 0 h 4174877"/>
+              <a:gd name="connsiteX11" fmla="*/ 5617056 w 13373942"/>
+              <a:gd name="connsiteY11" fmla="*/ 0 h 4174877"/>
+              <a:gd name="connsiteX12" fmla="*/ 6419492 w 13373942"/>
+              <a:gd name="connsiteY12" fmla="*/ 0 h 4174877"/>
+              <a:gd name="connsiteX13" fmla="*/ 7088189 w 13373942"/>
+              <a:gd name="connsiteY13" fmla="*/ 0 h 4174877"/>
+              <a:gd name="connsiteX14" fmla="*/ 8024365 w 13373942"/>
+              <a:gd name="connsiteY14" fmla="*/ 0 h 4174877"/>
+              <a:gd name="connsiteX15" fmla="*/ 8291844 w 13373942"/>
+              <a:gd name="connsiteY15" fmla="*/ 0 h 4174877"/>
+              <a:gd name="connsiteX16" fmla="*/ 8693062 w 13373942"/>
+              <a:gd name="connsiteY16" fmla="*/ 0 h 4174877"/>
+              <a:gd name="connsiteX17" fmla="*/ 9495499 w 13373942"/>
+              <a:gd name="connsiteY17" fmla="*/ 0 h 4174877"/>
+              <a:gd name="connsiteX18" fmla="*/ 9896717 w 13373942"/>
+              <a:gd name="connsiteY18" fmla="*/ 0 h 4174877"/>
+              <a:gd name="connsiteX19" fmla="*/ 10164196 w 13373942"/>
+              <a:gd name="connsiteY19" fmla="*/ 0 h 4174877"/>
+              <a:gd name="connsiteX20" fmla="*/ 10966632 w 13373942"/>
+              <a:gd name="connsiteY20" fmla="*/ 0 h 4174877"/>
+              <a:gd name="connsiteX21" fmla="*/ 11902808 w 13373942"/>
+              <a:gd name="connsiteY21" fmla="*/ 0 h 4174877"/>
+              <a:gd name="connsiteX22" fmla="*/ 13373942 w 13373942"/>
+              <a:gd name="connsiteY22" fmla="*/ 0 h 4174877"/>
+              <a:gd name="connsiteX23" fmla="*/ 13373942 w 13373942"/>
+              <a:gd name="connsiteY23" fmla="*/ 612315 h 4174877"/>
+              <a:gd name="connsiteX24" fmla="*/ 13373942 w 13373942"/>
+              <a:gd name="connsiteY24" fmla="*/ 1391626 h 4174877"/>
+              <a:gd name="connsiteX25" fmla="*/ 13373942 w 13373942"/>
+              <a:gd name="connsiteY25" fmla="*/ 1962192 h 4174877"/>
+              <a:gd name="connsiteX26" fmla="*/ 13373942 w 13373942"/>
+              <a:gd name="connsiteY26" fmla="*/ 2616256 h 4174877"/>
+              <a:gd name="connsiteX27" fmla="*/ 13373942 w 13373942"/>
+              <a:gd name="connsiteY27" fmla="*/ 3186823 h 4174877"/>
+              <a:gd name="connsiteX28" fmla="*/ 13373942 w 13373942"/>
+              <a:gd name="connsiteY28" fmla="*/ 4174877 h 4174877"/>
+              <a:gd name="connsiteX29" fmla="*/ 12838984 w 13373942"/>
+              <a:gd name="connsiteY29" fmla="*/ 4174877 h 4174877"/>
+              <a:gd name="connsiteX30" fmla="*/ 12036548 w 13373942"/>
+              <a:gd name="connsiteY30" fmla="*/ 4174877 h 4174877"/>
+              <a:gd name="connsiteX31" fmla="*/ 11769069 w 13373942"/>
+              <a:gd name="connsiteY31" fmla="*/ 4174877 h 4174877"/>
+              <a:gd name="connsiteX32" fmla="*/ 11100372 w 13373942"/>
+              <a:gd name="connsiteY32" fmla="*/ 4174877 h 4174877"/>
+              <a:gd name="connsiteX33" fmla="*/ 10699154 w 13373942"/>
+              <a:gd name="connsiteY33" fmla="*/ 4174877 h 4174877"/>
+              <a:gd name="connsiteX34" fmla="*/ 10297935 w 13373942"/>
+              <a:gd name="connsiteY34" fmla="*/ 4174877 h 4174877"/>
+              <a:gd name="connsiteX35" fmla="*/ 9896717 w 13373942"/>
+              <a:gd name="connsiteY35" fmla="*/ 4174877 h 4174877"/>
+              <a:gd name="connsiteX36" fmla="*/ 9495499 w 13373942"/>
+              <a:gd name="connsiteY36" fmla="*/ 4174877 h 4174877"/>
+              <a:gd name="connsiteX37" fmla="*/ 8559323 w 13373942"/>
+              <a:gd name="connsiteY37" fmla="*/ 4174877 h 4174877"/>
+              <a:gd name="connsiteX38" fmla="*/ 7623147 w 13373942"/>
+              <a:gd name="connsiteY38" fmla="*/ 4174877 h 4174877"/>
+              <a:gd name="connsiteX39" fmla="*/ 6954450 w 13373942"/>
+              <a:gd name="connsiteY39" fmla="*/ 4174877 h 4174877"/>
+              <a:gd name="connsiteX40" fmla="*/ 6419492 w 13373942"/>
+              <a:gd name="connsiteY40" fmla="*/ 4174877 h 4174877"/>
+              <a:gd name="connsiteX41" fmla="*/ 5884534 w 13373942"/>
+              <a:gd name="connsiteY41" fmla="*/ 4174877 h 4174877"/>
+              <a:gd name="connsiteX42" fmla="*/ 5483316 w 13373942"/>
+              <a:gd name="connsiteY42" fmla="*/ 4174877 h 4174877"/>
+              <a:gd name="connsiteX43" fmla="*/ 4814619 w 13373942"/>
+              <a:gd name="connsiteY43" fmla="*/ 4174877 h 4174877"/>
+              <a:gd name="connsiteX44" fmla="*/ 4145922 w 13373942"/>
+              <a:gd name="connsiteY44" fmla="*/ 4174877 h 4174877"/>
+              <a:gd name="connsiteX45" fmla="*/ 3343485 w 13373942"/>
+              <a:gd name="connsiteY45" fmla="*/ 4174877 h 4174877"/>
+              <a:gd name="connsiteX46" fmla="*/ 2407310 w 13373942"/>
+              <a:gd name="connsiteY46" fmla="*/ 4174877 h 4174877"/>
+              <a:gd name="connsiteX47" fmla="*/ 1738612 w 13373942"/>
+              <a:gd name="connsiteY47" fmla="*/ 4174877 h 4174877"/>
+              <a:gd name="connsiteX48" fmla="*/ 1471134 w 13373942"/>
+              <a:gd name="connsiteY48" fmla="*/ 4174877 h 4174877"/>
+              <a:gd name="connsiteX49" fmla="*/ 668697 w 13373942"/>
+              <a:gd name="connsiteY49" fmla="*/ 4174877 h 4174877"/>
+              <a:gd name="connsiteX50" fmla="*/ 0 w 13373942"/>
+              <a:gd name="connsiteY50" fmla="*/ 4174877 h 4174877"/>
+              <a:gd name="connsiteX51" fmla="*/ 0 w 13373942"/>
+              <a:gd name="connsiteY51" fmla="*/ 3395567 h 4174877"/>
+              <a:gd name="connsiteX52" fmla="*/ 0 w 13373942"/>
+              <a:gd name="connsiteY52" fmla="*/ 2699754 h 4174877"/>
+              <a:gd name="connsiteX53" fmla="*/ 0 w 13373942"/>
+              <a:gd name="connsiteY53" fmla="*/ 2003941 h 4174877"/>
+              <a:gd name="connsiteX54" fmla="*/ 0 w 13373942"/>
+              <a:gd name="connsiteY54" fmla="*/ 1433374 h 4174877"/>
+              <a:gd name="connsiteX55" fmla="*/ 0 w 13373942"/>
+              <a:gd name="connsiteY55" fmla="*/ 862808 h 4174877"/>
+              <a:gd name="connsiteX56" fmla="*/ 0 w 13373942"/>
+              <a:gd name="connsiteY56" fmla="*/ 0 h 4174877"/>
+            </a:gdLst>
+            <a:ahLst/>
+            <a:cxnLst>
+              <a:cxn ang="0">
+                <a:pos x="connsiteX0" y="connsiteY0"/>
+              </a:cxn>
+              <a:cxn ang="0">
+                <a:pos x="connsiteX1" y="connsiteY1"/>
+              </a:cxn>
+              <a:cxn ang="0">
+                <a:pos x="connsiteX2" y="connsiteY2"/>
+              </a:cxn>
+              <a:cxn ang="0">
+                <a:pos x="connsiteX3" y="connsiteY3"/>
+              </a:cxn>
+              <a:cxn ang="0">
+                <a:pos x="connsiteX4" y="connsiteY4"/>
+              </a:cxn>
+              <a:cxn ang="0">
+                <a:pos x="connsiteX5" y="connsiteY5"/>
+              </a:cxn>
+              <a:cxn ang="0">
+                <a:pos x="connsiteX6" y="connsiteY6"/>
+              </a:cxn>
+              <a:cxn ang="0">
+                <a:pos x="connsiteX7" y="connsiteY7"/>
+              </a:cxn>
+              <a:cxn ang="0">
+                <a:pos x="connsiteX8" y="connsiteY8"/>
+              </a:cxn>
+              <a:cxn ang="0">
+                <a:pos x="connsiteX9" y="connsiteY9"/>
+              </a:cxn>
+              <a:cxn ang="0">
+                <a:pos x="connsiteX10" y="connsiteY10"/>
+              </a:cxn>
+              <a:cxn ang="0">
+                <a:pos x="connsiteX11" y="connsiteY11"/>
+              </a:cxn>
+              <a:cxn ang="0">
+                <a:pos x="connsiteX12" y="connsiteY12"/>
+              </a:cxn>
+              <a:cxn ang="0">
+                <a:pos x="connsiteX13" y="connsiteY13"/>
+              </a:cxn>
+              <a:cxn ang="0">
+                <a:pos x="connsiteX14" y="connsiteY14"/>
+              </a:cxn>
+              <a:cxn ang="0">
+                <a:pos x="connsiteX15" y="connsiteY15"/>
+              </a:cxn>
+              <a:cxn ang="0">
+                <a:pos x="connsiteX16" y="connsiteY16"/>
+              </a:cxn>
+              <a:cxn ang="0">
+                <a:pos x="connsiteX17" y="connsiteY17"/>
+              </a:cxn>
+              <a:cxn ang="0">
+                <a:pos x="connsiteX18" y="connsiteY18"/>
+              </a:cxn>
+              <a:cxn ang="0">
+                <a:pos x="connsiteX19" y="connsiteY19"/>
+              </a:cxn>
+              <a:cxn ang="0">
+                <a:pos x="connsiteX20" y="connsiteY20"/>
+              </a:cxn>
+              <a:cxn ang="0">
+                <a:pos x="connsiteX21" y="connsiteY21"/>
+              </a:cxn>
+              <a:cxn ang="0">
+                <a:pos x="connsiteX22" y="connsiteY22"/>
+              </a:cxn>
+              <a:cxn ang="0">
+                <a:pos x="connsiteX23" y="connsiteY23"/>
+              </a:cxn>
+              <a:cxn ang="0">
+                <a:pos x="connsiteX24" y="connsiteY24"/>
+              </a:cxn>
+              <a:cxn ang="0">
+                <a:pos x="connsiteX25" y="connsiteY25"/>
+              </a:cxn>
+              <a:cxn ang="0">
+                <a:pos x="connsiteX26" y="connsiteY26"/>
+              </a:cxn>
+              <a:cxn ang="0">
+                <a:pos x="connsiteX27" y="connsiteY27"/>
+              </a:cxn>
+              <a:cxn ang="0">
+                <a:pos x="connsiteX28" y="connsiteY28"/>
+              </a:cxn>
+              <a:cxn ang="0">
+                <a:pos x="connsiteX29" y="connsiteY29"/>
+              </a:cxn>
+              <a:cxn ang="0">
+                <a:pos x="connsiteX30" y="connsiteY30"/>
+              </a:cxn>
+              <a:cxn ang="0">
+                <a:pos x="connsiteX31" y="connsiteY31"/>
+              </a:cxn>
+              <a:cxn ang="0">
+                <a:pos x="connsiteX32" y="connsiteY32"/>
+              </a:cxn>
+              <a:cxn ang="0">
+                <a:pos x="connsiteX33" y="connsiteY33"/>
+              </a:cxn>
+              <a:cxn ang="0">
+                <a:pos x="connsiteX34" y="connsiteY34"/>
+              </a:cxn>
+              <a:cxn ang="0">
+                <a:pos x="connsiteX35" y="connsiteY35"/>
+              </a:cxn>
+              <a:cxn ang="0">
+                <a:pos x="connsiteX36" y="connsiteY36"/>
+              </a:cxn>
+              <a:cxn ang="0">
+                <a:pos x="connsiteX37" y="connsiteY37"/>
+              </a:cxn>
+              <a:cxn ang="0">
+                <a:pos x="connsiteX38" y="connsiteY38"/>
+              </a:cxn>
+              <a:cxn ang="0">
+                <a:pos x="connsiteX39" y="connsiteY39"/>
+              </a:cxn>
+              <a:cxn ang="0">
+                <a:pos x="connsiteX40" y="connsiteY40"/>
+              </a:cxn>
+              <a:cxn ang="0">
+                <a:pos x="connsiteX41" y="connsiteY41"/>
+              </a:cxn>
+              <a:cxn ang="0">
+                <a:pos x="connsiteX42" y="connsiteY42"/>
+              </a:cxn>
+              <a:cxn ang="0">
+                <a:pos x="connsiteX43" y="connsiteY43"/>
+              </a:cxn>
+              <a:cxn ang="0">
+                <a:pos x="connsiteX44" y="connsiteY44"/>
+              </a:cxn>
+              <a:cxn ang="0">
+                <a:pos x="connsiteX45" y="connsiteY45"/>
+              </a:cxn>
+              <a:cxn ang="0">
+                <a:pos x="connsiteX46" y="connsiteY46"/>
+              </a:cxn>
+              <a:cxn ang="0">
+                <a:pos x="connsiteX47" y="connsiteY47"/>
+              </a:cxn>
+              <a:cxn ang="0">
+                <a:pos x="connsiteX48" y="connsiteY48"/>
+              </a:cxn>
+              <a:cxn ang="0">
+                <a:pos x="connsiteX49" y="connsiteY49"/>
+              </a:cxn>
+              <a:cxn ang="0">
+                <a:pos x="connsiteX50" y="connsiteY50"/>
+              </a:cxn>
+              <a:cxn ang="0">
+                <a:pos x="connsiteX51" y="connsiteY51"/>
+              </a:cxn>
+              <a:cxn ang="0">
+                <a:pos x="connsiteX52" y="connsiteY52"/>
+              </a:cxn>
+              <a:cxn ang="0">
+                <a:pos x="connsiteX53" y="connsiteY53"/>
+              </a:cxn>
+              <a:cxn ang="0">
+                <a:pos x="connsiteX54" y="connsiteY54"/>
+              </a:cxn>
+              <a:cxn ang="0">
+                <a:pos x="connsiteX55" y="connsiteY55"/>
+              </a:cxn>
+              <a:cxn ang="0">
+                <a:pos x="connsiteX56" y="connsiteY56"/>
+              </a:cxn>
+            </a:cxnLst>
+            <a:rect l="l" t="t" r="r" b="b"/>
+            <a:pathLst>
+              <a:path w="13373942" h="4174877" fill="none" extrusionOk="0">
+                <a:moveTo>
+                  <a:pt x="0" y="0"/>
+                </a:moveTo>
+                <a:cubicBezTo>
+                  <a:pt x="123045" y="-5311"/>
+                  <a:pt x="182599" y="-11463"/>
+                  <a:pt x="267479" y="0"/>
+                </a:cubicBezTo>
+                <a:cubicBezTo>
+                  <a:pt x="352359" y="11463"/>
+                  <a:pt x="982411" y="-44259"/>
+                  <a:pt x="1203655" y="0"/>
+                </a:cubicBezTo>
+                <a:cubicBezTo>
+                  <a:pt x="1424899" y="44259"/>
+                  <a:pt x="1393159" y="11942"/>
+                  <a:pt x="1471134" y="0"/>
+                </a:cubicBezTo>
+                <a:cubicBezTo>
+                  <a:pt x="1549109" y="-11942"/>
+                  <a:pt x="1613788" y="-2489"/>
+                  <a:pt x="1738612" y="0"/>
+                </a:cubicBezTo>
+                <a:cubicBezTo>
+                  <a:pt x="1863436" y="2489"/>
+                  <a:pt x="2050837" y="21132"/>
+                  <a:pt x="2273570" y="0"/>
+                </a:cubicBezTo>
+                <a:cubicBezTo>
+                  <a:pt x="2496303" y="-21132"/>
+                  <a:pt x="2788115" y="-34327"/>
+                  <a:pt x="3076007" y="0"/>
+                </a:cubicBezTo>
+                <a:cubicBezTo>
+                  <a:pt x="3363899" y="34327"/>
+                  <a:pt x="3595217" y="35824"/>
+                  <a:pt x="4012183" y="0"/>
+                </a:cubicBezTo>
+                <a:cubicBezTo>
+                  <a:pt x="4429149" y="-35824"/>
+                  <a:pt x="4151359" y="-4571"/>
+                  <a:pt x="4279661" y="0"/>
+                </a:cubicBezTo>
+                <a:cubicBezTo>
+                  <a:pt x="4407963" y="4571"/>
+                  <a:pt x="4483917" y="375"/>
+                  <a:pt x="4680880" y="0"/>
+                </a:cubicBezTo>
+                <a:cubicBezTo>
+                  <a:pt x="4877843" y="-375"/>
+                  <a:pt x="5056039" y="-20704"/>
+                  <a:pt x="5215837" y="0"/>
+                </a:cubicBezTo>
+                <a:cubicBezTo>
+                  <a:pt x="5375635" y="20704"/>
+                  <a:pt x="5522687" y="9164"/>
+                  <a:pt x="5617056" y="0"/>
+                </a:cubicBezTo>
+                <a:cubicBezTo>
+                  <a:pt x="5711425" y="-9164"/>
+                  <a:pt x="6251433" y="20548"/>
+                  <a:pt x="6419492" y="0"/>
+                </a:cubicBezTo>
+                <a:cubicBezTo>
+                  <a:pt x="6587551" y="-20548"/>
+                  <a:pt x="6821825" y="-10485"/>
+                  <a:pt x="7088189" y="0"/>
+                </a:cubicBezTo>
+                <a:cubicBezTo>
+                  <a:pt x="7354553" y="10485"/>
+                  <a:pt x="7617585" y="31617"/>
+                  <a:pt x="8024365" y="0"/>
+                </a:cubicBezTo>
+                <a:cubicBezTo>
+                  <a:pt x="8431145" y="-31617"/>
+                  <a:pt x="8224360" y="-5158"/>
+                  <a:pt x="8291844" y="0"/>
+                </a:cubicBezTo>
+                <a:cubicBezTo>
+                  <a:pt x="8359328" y="5158"/>
+                  <a:pt x="8553122" y="15499"/>
+                  <a:pt x="8693062" y="0"/>
+                </a:cubicBezTo>
+                <a:cubicBezTo>
+                  <a:pt x="8833002" y="-15499"/>
+                  <a:pt x="9201959" y="34888"/>
+                  <a:pt x="9495499" y="0"/>
+                </a:cubicBezTo>
+                <a:cubicBezTo>
+                  <a:pt x="9789039" y="-34888"/>
+                  <a:pt x="9733492" y="-6223"/>
+                  <a:pt x="9896717" y="0"/>
+                </a:cubicBezTo>
+                <a:cubicBezTo>
+                  <a:pt x="10059942" y="6223"/>
+                  <a:pt x="10085777" y="-12073"/>
+                  <a:pt x="10164196" y="0"/>
+                </a:cubicBezTo>
+                <a:cubicBezTo>
+                  <a:pt x="10242615" y="12073"/>
+                  <a:pt x="10689896" y="-20677"/>
+                  <a:pt x="10966632" y="0"/>
+                </a:cubicBezTo>
+                <a:cubicBezTo>
+                  <a:pt x="11243368" y="20677"/>
+                  <a:pt x="11626412" y="-24605"/>
+                  <a:pt x="11902808" y="0"/>
+                </a:cubicBezTo>
+                <a:cubicBezTo>
+                  <a:pt x="12179204" y="24605"/>
+                  <a:pt x="12998551" y="-29112"/>
+                  <a:pt x="13373942" y="0"/>
+                </a:cubicBezTo>
+                <a:cubicBezTo>
+                  <a:pt x="13390898" y="301543"/>
+                  <a:pt x="13358499" y="425673"/>
+                  <a:pt x="13373942" y="612315"/>
+                </a:cubicBezTo>
+                <a:cubicBezTo>
+                  <a:pt x="13389385" y="798957"/>
+                  <a:pt x="13373345" y="1196278"/>
+                  <a:pt x="13373942" y="1391626"/>
+                </a:cubicBezTo>
+                <a:cubicBezTo>
+                  <a:pt x="13374539" y="1586974"/>
+                  <a:pt x="13389302" y="1750132"/>
+                  <a:pt x="13373942" y="1962192"/>
+                </a:cubicBezTo>
+                <a:cubicBezTo>
+                  <a:pt x="13358582" y="2174252"/>
+                  <a:pt x="13359557" y="2373541"/>
+                  <a:pt x="13373942" y="2616256"/>
+                </a:cubicBezTo>
+                <a:cubicBezTo>
+                  <a:pt x="13388327" y="2858971"/>
+                  <a:pt x="13360611" y="3066741"/>
+                  <a:pt x="13373942" y="3186823"/>
+                </a:cubicBezTo>
+                <a:cubicBezTo>
+                  <a:pt x="13387273" y="3306905"/>
+                  <a:pt x="13403187" y="3812797"/>
+                  <a:pt x="13373942" y="4174877"/>
+                </a:cubicBezTo>
+                <a:cubicBezTo>
+                  <a:pt x="13212956" y="4151683"/>
+                  <a:pt x="13005336" y="4177731"/>
+                  <a:pt x="12838984" y="4174877"/>
+                </a:cubicBezTo>
+                <a:cubicBezTo>
+                  <a:pt x="12672632" y="4172023"/>
+                  <a:pt x="12294902" y="4185137"/>
+                  <a:pt x="12036548" y="4174877"/>
+                </a:cubicBezTo>
+                <a:cubicBezTo>
+                  <a:pt x="11778194" y="4164617"/>
+                  <a:pt x="11899612" y="4173679"/>
+                  <a:pt x="11769069" y="4174877"/>
+                </a:cubicBezTo>
+                <a:cubicBezTo>
+                  <a:pt x="11638526" y="4176075"/>
+                  <a:pt x="11424027" y="4203155"/>
+                  <a:pt x="11100372" y="4174877"/>
+                </a:cubicBezTo>
+                <a:cubicBezTo>
+                  <a:pt x="10776717" y="4146599"/>
+                  <a:pt x="10887452" y="4171160"/>
+                  <a:pt x="10699154" y="4174877"/>
+                </a:cubicBezTo>
+                <a:cubicBezTo>
+                  <a:pt x="10510856" y="4178594"/>
+                  <a:pt x="10474518" y="4178095"/>
+                  <a:pt x="10297935" y="4174877"/>
+                </a:cubicBezTo>
+                <a:cubicBezTo>
+                  <a:pt x="10121352" y="4171659"/>
+                  <a:pt x="10093095" y="4158374"/>
+                  <a:pt x="9896717" y="4174877"/>
+                </a:cubicBezTo>
+                <a:cubicBezTo>
+                  <a:pt x="9700339" y="4191380"/>
+                  <a:pt x="9687276" y="4175787"/>
+                  <a:pt x="9495499" y="4174877"/>
+                </a:cubicBezTo>
+                <a:cubicBezTo>
+                  <a:pt x="9303722" y="4173967"/>
+                  <a:pt x="8858710" y="4187560"/>
+                  <a:pt x="8559323" y="4174877"/>
+                </a:cubicBezTo>
+                <a:cubicBezTo>
+                  <a:pt x="8259936" y="4162194"/>
+                  <a:pt x="8000134" y="4177209"/>
+                  <a:pt x="7623147" y="4174877"/>
+                </a:cubicBezTo>
+                <a:cubicBezTo>
+                  <a:pt x="7246160" y="4172545"/>
+                  <a:pt x="7216478" y="4157626"/>
+                  <a:pt x="6954450" y="4174877"/>
+                </a:cubicBezTo>
+                <a:cubicBezTo>
+                  <a:pt x="6692422" y="4192128"/>
+                  <a:pt x="6617962" y="4175735"/>
+                  <a:pt x="6419492" y="4174877"/>
+                </a:cubicBezTo>
+                <a:cubicBezTo>
+                  <a:pt x="6221022" y="4174019"/>
+                  <a:pt x="6033135" y="4181756"/>
+                  <a:pt x="5884534" y="4174877"/>
+                </a:cubicBezTo>
+                <a:cubicBezTo>
+                  <a:pt x="5735933" y="4167998"/>
+                  <a:pt x="5680899" y="4194249"/>
+                  <a:pt x="5483316" y="4174877"/>
+                </a:cubicBezTo>
+                <a:cubicBezTo>
+                  <a:pt x="5285733" y="4155505"/>
+                  <a:pt x="5000005" y="4187040"/>
+                  <a:pt x="4814619" y="4174877"/>
+                </a:cubicBezTo>
+                <a:cubicBezTo>
+                  <a:pt x="4629233" y="4162714"/>
+                  <a:pt x="4310747" y="4152940"/>
+                  <a:pt x="4145922" y="4174877"/>
+                </a:cubicBezTo>
+                <a:cubicBezTo>
+                  <a:pt x="3981097" y="4196814"/>
+                  <a:pt x="3731312" y="4175383"/>
+                  <a:pt x="3343485" y="4174877"/>
+                </a:cubicBezTo>
+                <a:cubicBezTo>
+                  <a:pt x="2955658" y="4174371"/>
+                  <a:pt x="2760395" y="4142694"/>
+                  <a:pt x="2407310" y="4174877"/>
+                </a:cubicBezTo>
+                <a:cubicBezTo>
+                  <a:pt x="2054225" y="4207060"/>
+                  <a:pt x="1983427" y="4207969"/>
+                  <a:pt x="1738612" y="4174877"/>
+                </a:cubicBezTo>
+                <a:cubicBezTo>
+                  <a:pt x="1493797" y="4141785"/>
+                  <a:pt x="1526203" y="4186184"/>
+                  <a:pt x="1471134" y="4174877"/>
+                </a:cubicBezTo>
+                <a:cubicBezTo>
+                  <a:pt x="1416065" y="4163570"/>
+                  <a:pt x="842974" y="4165958"/>
+                  <a:pt x="668697" y="4174877"/>
+                </a:cubicBezTo>
+                <a:cubicBezTo>
+                  <a:pt x="494420" y="4183796"/>
+                  <a:pt x="258000" y="4172458"/>
+                  <a:pt x="0" y="4174877"/>
+                </a:cubicBezTo>
+                <a:cubicBezTo>
+                  <a:pt x="599" y="3912327"/>
+                  <a:pt x="26682" y="3629660"/>
+                  <a:pt x="0" y="3395567"/>
+                </a:cubicBezTo>
+                <a:cubicBezTo>
+                  <a:pt x="-26682" y="3161474"/>
+                  <a:pt x="-33004" y="2996115"/>
+                  <a:pt x="0" y="2699754"/>
+                </a:cubicBezTo>
+                <a:cubicBezTo>
+                  <a:pt x="33004" y="2403393"/>
+                  <a:pt x="29271" y="2305413"/>
+                  <a:pt x="0" y="2003941"/>
+                </a:cubicBezTo>
+                <a:cubicBezTo>
+                  <a:pt x="-29271" y="1702469"/>
+                  <a:pt x="-28233" y="1668959"/>
+                  <a:pt x="0" y="1433374"/>
+                </a:cubicBezTo>
+                <a:cubicBezTo>
+                  <a:pt x="28233" y="1197789"/>
+                  <a:pt x="-8832" y="1029730"/>
+                  <a:pt x="0" y="862808"/>
+                </a:cubicBezTo>
+                <a:cubicBezTo>
+                  <a:pt x="8832" y="695886"/>
+                  <a:pt x="6976" y="224939"/>
+                  <a:pt x="0" y="0"/>
+                </a:cubicBezTo>
+                <a:close/>
+              </a:path>
+              <a:path w="13373942" h="4174877" stroke="0" extrusionOk="0">
+                <a:moveTo>
+                  <a:pt x="0" y="0"/>
+                </a:moveTo>
+                <a:cubicBezTo>
+                  <a:pt x="231328" y="6604"/>
+                  <a:pt x="344306" y="-23872"/>
+                  <a:pt x="534958" y="0"/>
+                </a:cubicBezTo>
+                <a:cubicBezTo>
+                  <a:pt x="725610" y="23872"/>
+                  <a:pt x="876876" y="-8526"/>
+                  <a:pt x="1069915" y="0"/>
+                </a:cubicBezTo>
+                <a:cubicBezTo>
+                  <a:pt x="1262954" y="8526"/>
+                  <a:pt x="1270249" y="9510"/>
+                  <a:pt x="1337394" y="0"/>
+                </a:cubicBezTo>
+                <a:cubicBezTo>
+                  <a:pt x="1404539" y="-9510"/>
+                  <a:pt x="1496138" y="-3119"/>
+                  <a:pt x="1604873" y="0"/>
+                </a:cubicBezTo>
+                <a:cubicBezTo>
+                  <a:pt x="1713608" y="3119"/>
+                  <a:pt x="1917387" y="5728"/>
+                  <a:pt x="2139831" y="0"/>
+                </a:cubicBezTo>
+                <a:cubicBezTo>
+                  <a:pt x="2362275" y="-5728"/>
+                  <a:pt x="2511321" y="26980"/>
+                  <a:pt x="2808528" y="0"/>
+                </a:cubicBezTo>
+                <a:cubicBezTo>
+                  <a:pt x="3105735" y="-26980"/>
+                  <a:pt x="3342023" y="37259"/>
+                  <a:pt x="3744704" y="0"/>
+                </a:cubicBezTo>
+                <a:cubicBezTo>
+                  <a:pt x="4147385" y="-37259"/>
+                  <a:pt x="4040443" y="-20564"/>
+                  <a:pt x="4279661" y="0"/>
+                </a:cubicBezTo>
+                <a:cubicBezTo>
+                  <a:pt x="4518879" y="20564"/>
+                  <a:pt x="4485986" y="-16374"/>
+                  <a:pt x="4680880" y="0"/>
+                </a:cubicBezTo>
+                <a:cubicBezTo>
+                  <a:pt x="4875774" y="16374"/>
+                  <a:pt x="4938659" y="14639"/>
+                  <a:pt x="5082098" y="0"/>
+                </a:cubicBezTo>
+                <a:cubicBezTo>
+                  <a:pt x="5225537" y="-14639"/>
+                  <a:pt x="5569246" y="6665"/>
+                  <a:pt x="5884534" y="0"/>
+                </a:cubicBezTo>
+                <a:cubicBezTo>
+                  <a:pt x="6199822" y="-6665"/>
+                  <a:pt x="6392649" y="-4887"/>
+                  <a:pt x="6553232" y="0"/>
+                </a:cubicBezTo>
+                <a:cubicBezTo>
+                  <a:pt x="6713815" y="4887"/>
+                  <a:pt x="6732642" y="-9156"/>
+                  <a:pt x="6820710" y="0"/>
+                </a:cubicBezTo>
+                <a:cubicBezTo>
+                  <a:pt x="6908778" y="9156"/>
+                  <a:pt x="7220988" y="-32963"/>
+                  <a:pt x="7489408" y="0"/>
+                </a:cubicBezTo>
+                <a:cubicBezTo>
+                  <a:pt x="7757828" y="32963"/>
+                  <a:pt x="8046520" y="-34440"/>
+                  <a:pt x="8291844" y="0"/>
+                </a:cubicBezTo>
+                <a:cubicBezTo>
+                  <a:pt x="8537168" y="34440"/>
+                  <a:pt x="8797287" y="-4531"/>
+                  <a:pt x="9094281" y="0"/>
+                </a:cubicBezTo>
+                <a:cubicBezTo>
+                  <a:pt x="9391275" y="4531"/>
+                  <a:pt x="9365412" y="-5897"/>
+                  <a:pt x="9495499" y="0"/>
+                </a:cubicBezTo>
+                <a:cubicBezTo>
+                  <a:pt x="9625586" y="5897"/>
+                  <a:pt x="9675925" y="11804"/>
+                  <a:pt x="9762978" y="0"/>
+                </a:cubicBezTo>
+                <a:cubicBezTo>
+                  <a:pt x="9850031" y="-11804"/>
+                  <a:pt x="10331505" y="-27004"/>
+                  <a:pt x="10565414" y="0"/>
+                </a:cubicBezTo>
+                <a:cubicBezTo>
+                  <a:pt x="10799323" y="27004"/>
+                  <a:pt x="10868832" y="18824"/>
+                  <a:pt x="10966632" y="0"/>
+                </a:cubicBezTo>
+                <a:cubicBezTo>
+                  <a:pt x="11064432" y="-18824"/>
+                  <a:pt x="11499256" y="12311"/>
+                  <a:pt x="11769069" y="0"/>
+                </a:cubicBezTo>
+                <a:cubicBezTo>
+                  <a:pt x="12038882" y="-12311"/>
+                  <a:pt x="12085224" y="-10424"/>
+                  <a:pt x="12170287" y="0"/>
+                </a:cubicBezTo>
+                <a:cubicBezTo>
+                  <a:pt x="12255350" y="10424"/>
+                  <a:pt x="13032117" y="-58817"/>
+                  <a:pt x="13373942" y="0"/>
+                </a:cubicBezTo>
+                <a:cubicBezTo>
+                  <a:pt x="13371014" y="223983"/>
+                  <a:pt x="13341576" y="503712"/>
+                  <a:pt x="13373942" y="654064"/>
+                </a:cubicBezTo>
+                <a:cubicBezTo>
+                  <a:pt x="13406308" y="804416"/>
+                  <a:pt x="13339775" y="1014593"/>
+                  <a:pt x="13373942" y="1349877"/>
+                </a:cubicBezTo>
+                <a:cubicBezTo>
+                  <a:pt x="13408109" y="1685161"/>
+                  <a:pt x="13381035" y="1721165"/>
+                  <a:pt x="13373942" y="2045690"/>
+                </a:cubicBezTo>
+                <a:cubicBezTo>
+                  <a:pt x="13366849" y="2370215"/>
+                  <a:pt x="13347414" y="2653456"/>
+                  <a:pt x="13373942" y="2825000"/>
+                </a:cubicBezTo>
+                <a:cubicBezTo>
+                  <a:pt x="13400471" y="2996544"/>
+                  <a:pt x="13342865" y="3326539"/>
+                  <a:pt x="13373942" y="3520813"/>
+                </a:cubicBezTo>
+                <a:cubicBezTo>
+                  <a:pt x="13405019" y="3715087"/>
+                  <a:pt x="13355496" y="3909729"/>
+                  <a:pt x="13373942" y="4174877"/>
+                </a:cubicBezTo>
+                <a:cubicBezTo>
+                  <a:pt x="13143710" y="4182320"/>
+                  <a:pt x="12917281" y="4187952"/>
+                  <a:pt x="12571505" y="4174877"/>
+                </a:cubicBezTo>
+                <a:cubicBezTo>
+                  <a:pt x="12225729" y="4161802"/>
+                  <a:pt x="12260488" y="4155941"/>
+                  <a:pt x="12170287" y="4174877"/>
+                </a:cubicBezTo>
+                <a:cubicBezTo>
+                  <a:pt x="12080086" y="4193813"/>
+                  <a:pt x="11992436" y="4172912"/>
+                  <a:pt x="11902808" y="4174877"/>
+                </a:cubicBezTo>
+                <a:cubicBezTo>
+                  <a:pt x="11813180" y="4176842"/>
+                  <a:pt x="11621717" y="4167594"/>
+                  <a:pt x="11501590" y="4174877"/>
+                </a:cubicBezTo>
+                <a:cubicBezTo>
+                  <a:pt x="11381463" y="4182160"/>
+                  <a:pt x="11080806" y="4176020"/>
+                  <a:pt x="10966632" y="4174877"/>
+                </a:cubicBezTo>
+                <a:cubicBezTo>
+                  <a:pt x="10852458" y="4173734"/>
+                  <a:pt x="10541634" y="4182427"/>
+                  <a:pt x="10164196" y="4174877"/>
+                </a:cubicBezTo>
+                <a:cubicBezTo>
+                  <a:pt x="9786758" y="4167327"/>
+                  <a:pt x="9930168" y="4170310"/>
+                  <a:pt x="9762978" y="4174877"/>
+                </a:cubicBezTo>
+                <a:cubicBezTo>
+                  <a:pt x="9595788" y="4179444"/>
+                  <a:pt x="9525086" y="4177876"/>
+                  <a:pt x="9361759" y="4174877"/>
+                </a:cubicBezTo>
+                <a:cubicBezTo>
+                  <a:pt x="9198432" y="4171878"/>
+                  <a:pt x="8964041" y="4153666"/>
+                  <a:pt x="8826802" y="4174877"/>
+                </a:cubicBezTo>
+                <a:cubicBezTo>
+                  <a:pt x="8689563" y="4196088"/>
+                  <a:pt x="8300676" y="4171615"/>
+                  <a:pt x="8158105" y="4174877"/>
+                </a:cubicBezTo>
+                <a:cubicBezTo>
+                  <a:pt x="8015534" y="4178139"/>
+                  <a:pt x="7839406" y="4186927"/>
+                  <a:pt x="7756886" y="4174877"/>
+                </a:cubicBezTo>
+                <a:cubicBezTo>
+                  <a:pt x="7674366" y="4162827"/>
+                  <a:pt x="7255786" y="4168956"/>
+                  <a:pt x="7088189" y="4174877"/>
+                </a:cubicBezTo>
+                <a:cubicBezTo>
+                  <a:pt x="6920592" y="4180798"/>
+                  <a:pt x="6809276" y="4179587"/>
+                  <a:pt x="6686971" y="4174877"/>
+                </a:cubicBezTo>
+                <a:cubicBezTo>
+                  <a:pt x="6564666" y="4170167"/>
+                  <a:pt x="6236345" y="4188761"/>
+                  <a:pt x="5884534" y="4174877"/>
+                </a:cubicBezTo>
+                <a:cubicBezTo>
+                  <a:pt x="5532723" y="4160993"/>
+                  <a:pt x="5681774" y="4174929"/>
+                  <a:pt x="5617056" y="4174877"/>
+                </a:cubicBezTo>
+                <a:cubicBezTo>
+                  <a:pt x="5552338" y="4174825"/>
+                  <a:pt x="4977849" y="4188417"/>
+                  <a:pt x="4680880" y="4174877"/>
+                </a:cubicBezTo>
+                <a:cubicBezTo>
+                  <a:pt x="4383911" y="4161337"/>
+                  <a:pt x="4438351" y="4186404"/>
+                  <a:pt x="4279661" y="4174877"/>
+                </a:cubicBezTo>
+                <a:cubicBezTo>
+                  <a:pt x="4120971" y="4163350"/>
+                  <a:pt x="3815458" y="4144341"/>
+                  <a:pt x="3610964" y="4174877"/>
+                </a:cubicBezTo>
+                <a:cubicBezTo>
+                  <a:pt x="3406470" y="4205413"/>
+                  <a:pt x="2877624" y="4150540"/>
+                  <a:pt x="2674788" y="4174877"/>
+                </a:cubicBezTo>
+                <a:cubicBezTo>
+                  <a:pt x="2471952" y="4199214"/>
+                  <a:pt x="2047176" y="4136294"/>
+                  <a:pt x="1738612" y="4174877"/>
+                </a:cubicBezTo>
+                <a:cubicBezTo>
+                  <a:pt x="1430048" y="4213460"/>
+                  <a:pt x="1329040" y="4198195"/>
+                  <a:pt x="1203655" y="4174877"/>
+                </a:cubicBezTo>
+                <a:cubicBezTo>
+                  <a:pt x="1078270" y="4151559"/>
+                  <a:pt x="951556" y="4163229"/>
+                  <a:pt x="802437" y="4174877"/>
+                </a:cubicBezTo>
+                <a:cubicBezTo>
+                  <a:pt x="653318" y="4186525"/>
+                  <a:pt x="256569" y="4159833"/>
+                  <a:pt x="0" y="4174877"/>
+                </a:cubicBezTo>
+                <a:cubicBezTo>
+                  <a:pt x="19032" y="3884790"/>
+                  <a:pt x="-29952" y="3777259"/>
+                  <a:pt x="0" y="3520813"/>
+                </a:cubicBezTo>
+                <a:cubicBezTo>
+                  <a:pt x="29952" y="3264367"/>
+                  <a:pt x="5158" y="3007743"/>
+                  <a:pt x="0" y="2825000"/>
+                </a:cubicBezTo>
+                <a:cubicBezTo>
+                  <a:pt x="-5158" y="2642257"/>
+                  <a:pt x="22721" y="2487081"/>
+                  <a:pt x="0" y="2170936"/>
+                </a:cubicBezTo>
+                <a:cubicBezTo>
+                  <a:pt x="-22721" y="1854791"/>
+                  <a:pt x="4117" y="1846077"/>
+                  <a:pt x="0" y="1558621"/>
+                </a:cubicBezTo>
+                <a:cubicBezTo>
+                  <a:pt x="-4117" y="1271165"/>
+                  <a:pt x="-14667" y="1178491"/>
+                  <a:pt x="0" y="904557"/>
+                </a:cubicBezTo>
+                <a:cubicBezTo>
+                  <a:pt x="14667" y="630623"/>
+                  <a:pt x="-9135" y="245848"/>
+                  <a:pt x="0" y="0"/>
+                </a:cubicBezTo>
+                <a:close/>
+              </a:path>
+            </a:pathLst>
+          </a:custGeom>
+          <a:ln w="19050">
+            <a:solidFill>
+              <a:schemeClr val="tx1"/>
+            </a:solidFill>
+            <a:extLst>
+              <a:ext uri="{C807C97D-BFC1-408E-A445-0C87EB9F89A2}">
+                <ask:lineSketchStyleProps xmlns:ask="http://schemas.microsoft.com/office/drawing/2018/sketchyshapes" sd="164314050">
+                  <ask:type>
+                    <ask:lineSketchFreehand/>
+                  </ask:type>
+                </ask:lineSketchStyleProps>
+              </a:ext>
+            </a:extLst>
+          </a:ln>
+        </p:spPr>
+      </p:pic>
+    </p:spTree>
+    <p:extLst>
+      <p:ext uri="{BB962C8B-B14F-4D97-AF65-F5344CB8AC3E}">
+        <p14:creationId xmlns:p14="http://schemas.microsoft.com/office/powerpoint/2010/main" val="332820050"/>
+      </p:ext>
+    </p:extLst>
+  </p:cSld>
+  <p:clrMapOvr>
+    <a:masterClrMapping/>
+  </p:clrMapOvr>
+</p:sld>
+</file>
+
+<file path=ppt/slides/slide21.xml><?xml version="1.0" encoding="utf-8"?>
+<p:sld xmlns:a="http://schemas.openxmlformats.org/drawingml/2006/main" xmlns:r="http://schemas.openxmlformats.org/officeDocument/2006/relationships" xmlns:p="http://schemas.openxmlformats.org/presentationml/2006/main">
+  <p:cSld>
+    <p:spTree>
+      <p:nvGrpSpPr>
+        <p:cNvPr id="1" name=""/>
+        <p:cNvGrpSpPr/>
+        <p:nvPr/>
+      </p:nvGrpSpPr>
+      <p:grpSpPr>
+        <a:xfrm>
+          <a:off x="0" y="0"/>
+          <a:ext cx="0" cy="0"/>
+          <a:chOff x="0" y="0"/>
+          <a:chExt cx="0" cy="0"/>
+        </a:xfrm>
+      </p:grpSpPr>
+      <p:sp>
+        <p:nvSpPr>
+          <p:cNvPr id="2" name="Title 1">
+            <a:extLst>
+              <a:ext uri="{FF2B5EF4-FFF2-40B4-BE49-F238E27FC236}">
+                <a16:creationId xmlns:a16="http://schemas.microsoft.com/office/drawing/2014/main" id="{AE3CE8B8-8455-1913-31F5-C8A759952E32}"/>
+              </a:ext>
+            </a:extLst>
+          </p:cNvPr>
+          <p:cNvSpPr>
+            <a:spLocks noGrp="1"/>
+          </p:cNvSpPr>
+          <p:nvPr>
+            <p:ph type="title"/>
+          </p:nvPr>
+        </p:nvSpPr>
+        <p:spPr>
+          <a:xfrm>
+            <a:off x="1283818" y="97470"/>
+            <a:ext cx="12070080" cy="1931213"/>
+          </a:xfrm>
+        </p:spPr>
+        <p:txBody>
+          <a:bodyPr/>
+          <a:lstStyle/>
+          <a:p>
+            <a:r>
+              <a:rPr lang="en-US" dirty="0"/>
+              <a:t>Cluster Sampling</a:t>
+            </a:r>
+          </a:p>
+        </p:txBody>
+      </p:sp>
       <p:sp>
         <p:nvSpPr>
           <p:cNvPr id="3" name="Content Placeholder 2">
@@ -13527,7 +13732,7 @@
 </p:sld>
 </file>
 
-<file path=ppt/slides/slide21.xml><?xml version="1.0" encoding="utf-8"?>
+<file path=ppt/slides/slide22.xml><?xml version="1.0" encoding="utf-8"?>
 <p:sld xmlns:a="http://schemas.openxmlformats.org/drawingml/2006/main" xmlns:r="http://schemas.openxmlformats.org/officeDocument/2006/relationships" xmlns:p="http://schemas.openxmlformats.org/presentationml/2006/main">
   <p:cSld>
     <p:spTree>
@@ -13888,7 +14093,7 @@
 </p:sld>
 </file>
 
-<file path=ppt/slides/slide22.xml><?xml version="1.0" encoding="utf-8"?>
+<file path=ppt/slides/slide23.xml><?xml version="1.0" encoding="utf-8"?>
 <p:sld xmlns:a="http://schemas.openxmlformats.org/drawingml/2006/main" xmlns:r="http://schemas.openxmlformats.org/officeDocument/2006/relationships" xmlns:p="http://schemas.openxmlformats.org/presentationml/2006/main">
   <p:cSld>
     <p:spTree>
@@ -14198,7 +14403,7 @@
 </p:sld>
 </file>
 
-<file path=ppt/slides/slide23.xml><?xml version="1.0" encoding="utf-8"?>
+<file path=ppt/slides/slide24.xml><?xml version="1.0" encoding="utf-8"?>
 <p:sld xmlns:a="http://schemas.openxmlformats.org/drawingml/2006/main" xmlns:r="http://schemas.openxmlformats.org/officeDocument/2006/relationships" xmlns:p="http://schemas.openxmlformats.org/presentationml/2006/main">
   <p:cSld>
     <p:spTree>
@@ -20681,7 +20886,7 @@
 </p:sld>
 </file>
 
-<file path=ppt/slides/slide24.xml><?xml version="1.0" encoding="utf-8"?>
+<file path=ppt/slides/slide25.xml><?xml version="1.0" encoding="utf-8"?>
 <p:sld xmlns:a="http://schemas.openxmlformats.org/drawingml/2006/main" xmlns:r="http://schemas.openxmlformats.org/officeDocument/2006/relationships" xmlns:p="http://schemas.openxmlformats.org/presentationml/2006/main">
   <p:cSld>
     <p:spTree>
@@ -23599,7 +23804,7 @@
 </p:sld>
 </file>
 
-<file path=ppt/slides/slide25.xml><?xml version="1.0" encoding="utf-8"?>
+<file path=ppt/slides/slide26.xml><?xml version="1.0" encoding="utf-8"?>
 <p:sld xmlns:a="http://schemas.openxmlformats.org/drawingml/2006/main" xmlns:r="http://schemas.openxmlformats.org/officeDocument/2006/relationships" xmlns:p="http://schemas.openxmlformats.org/presentationml/2006/main">
   <p:cSld>
     <p:spTree>
@@ -23676,7 +23881,149 @@
 </p:sld>
 </file>
 
-<file path=ppt/slides/slide26.xml><?xml version="1.0" encoding="utf-8"?>
+<file path=ppt/slides/slide27.xml><?xml version="1.0" encoding="utf-8"?>
+<p:sld xmlns:a="http://schemas.openxmlformats.org/drawingml/2006/main" xmlns:r="http://schemas.openxmlformats.org/officeDocument/2006/relationships" xmlns:p="http://schemas.openxmlformats.org/presentationml/2006/main">
+  <p:cSld>
+    <p:spTree>
+      <p:nvGrpSpPr>
+        <p:cNvPr id="1" name="">
+          <a:extLst>
+            <a:ext uri="{FF2B5EF4-FFF2-40B4-BE49-F238E27FC236}">
+              <a16:creationId xmlns:a16="http://schemas.microsoft.com/office/drawing/2014/main" id="{2D7D3ECC-850F-2E9D-B2C2-E9F8A899E911}"/>
+            </a:ext>
+          </a:extLst>
+        </p:cNvPr>
+        <p:cNvGrpSpPr/>
+        <p:nvPr/>
+      </p:nvGrpSpPr>
+      <p:grpSpPr>
+        <a:xfrm>
+          <a:off x="0" y="0"/>
+          <a:ext cx="0" cy="0"/>
+          <a:chOff x="0" y="0"/>
+          <a:chExt cx="0" cy="0"/>
+        </a:xfrm>
+      </p:grpSpPr>
+      <p:sp>
+        <p:nvSpPr>
+          <p:cNvPr id="2" name="Title 1">
+            <a:extLst>
+              <a:ext uri="{FF2B5EF4-FFF2-40B4-BE49-F238E27FC236}">
+                <a16:creationId xmlns:a16="http://schemas.microsoft.com/office/drawing/2014/main" id="{9B7E892F-6FB2-D266-BAAB-4644A040FA65}"/>
+              </a:ext>
+            </a:extLst>
+          </p:cNvPr>
+          <p:cNvSpPr>
+            <a:spLocks noGrp="1"/>
+          </p:cNvSpPr>
+          <p:nvPr>
+            <p:ph type="title"/>
+          </p:nvPr>
+        </p:nvSpPr>
+        <p:spPr>
+          <a:xfrm>
+            <a:off x="1283818" y="97470"/>
+            <a:ext cx="12070080" cy="1931213"/>
+          </a:xfrm>
+        </p:spPr>
+        <p:txBody>
+          <a:bodyPr/>
+          <a:lstStyle/>
+          <a:p>
+            <a:r>
+              <a:rPr lang="en-US" dirty="0"/>
+              <a:t>Self Practice</a:t>
+            </a:r>
+          </a:p>
+        </p:txBody>
+      </p:sp>
+      <p:sp>
+        <p:nvSpPr>
+          <p:cNvPr id="3" name="Content Placeholder 2">
+            <a:extLst>
+              <a:ext uri="{FF2B5EF4-FFF2-40B4-BE49-F238E27FC236}">
+                <a16:creationId xmlns:a16="http://schemas.microsoft.com/office/drawing/2014/main" id="{840D12B2-B159-6482-DBEE-62FF43D2CF20}"/>
+              </a:ext>
+            </a:extLst>
+          </p:cNvPr>
+          <p:cNvSpPr>
+            <a:spLocks noGrp="1"/>
+          </p:cNvSpPr>
+          <p:nvPr>
+            <p:ph sz="quarter" idx="13"/>
+          </p:nvPr>
+        </p:nvSpPr>
+        <p:spPr>
+          <a:xfrm>
+            <a:off x="1096529" y="2123350"/>
+            <a:ext cx="12436591" cy="6008779"/>
+          </a:xfrm>
+        </p:spPr>
+        <p:txBody>
+          <a:bodyPr>
+            <a:normAutofit lnSpcReduction="10000"/>
+          </a:bodyPr>
+          <a:lstStyle/>
+          <a:p>
+            <a:pPr algn="just"/>
+            <a:r>
+              <a:rPr lang="en-US" sz="3200" dirty="0"/>
+              <a:t>A research team is conduction a study on the employment status of individuals in a large metropolitan city. The city is divided into 10 administrative zones, each with a mix of urban and suburban areas. The population of each zone varies, and the team wants to ensure their study results accurately represent the entire city. Due to budget constraints, they cannot survey the entire population and must use sampling techniques. They are interested studying the following groups:</a:t>
+            </a:r>
+          </a:p>
+          <a:p>
+            <a:pPr marL="843534" lvl="1" indent="-514350" algn="just">
+              <a:buFont typeface="+mj-lt"/>
+              <a:buAutoNum type="alphaLcParenR"/>
+            </a:pPr>
+            <a:r>
+              <a:rPr lang="en-US" sz="2960" dirty="0"/>
+              <a:t>Unemployed individuals aged 18-35.</a:t>
+            </a:r>
+          </a:p>
+          <a:p>
+            <a:pPr marL="843534" lvl="1" indent="-514350" algn="just">
+              <a:buFont typeface="+mj-lt"/>
+              <a:buAutoNum type="alphaLcParenR"/>
+            </a:pPr>
+            <a:r>
+              <a:rPr lang="en-US" sz="2960" dirty="0"/>
+              <a:t>Part time workers in suburban areas.</a:t>
+            </a:r>
+          </a:p>
+          <a:p>
+            <a:pPr marL="843534" lvl="1" indent="-514350" algn="just">
+              <a:buFont typeface="+mj-lt"/>
+              <a:buAutoNum type="alphaLcParenR"/>
+            </a:pPr>
+            <a:r>
+              <a:rPr lang="en-US" sz="2960" dirty="0"/>
+              <a:t>Full time workers in urban areas.</a:t>
+            </a:r>
+          </a:p>
+          <a:p>
+            <a:pPr algn="just"/>
+            <a:r>
+              <a:rPr lang="en-US" sz="3200" dirty="0"/>
+              <a:t>Each administrative zone has a registry of residents with their employment status, age, and address.</a:t>
+            </a:r>
+          </a:p>
+        </p:txBody>
+      </p:sp>
+    </p:spTree>
+    <p:extLst>
+      <p:ext uri="{BB962C8B-B14F-4D97-AF65-F5344CB8AC3E}">
+        <p14:creationId xmlns:p14="http://schemas.microsoft.com/office/powerpoint/2010/main" val="3074256013"/>
+      </p:ext>
+    </p:extLst>
+  </p:cSld>
+  <p:clrMapOvr>
+    <a:masterClrMapping/>
+  </p:clrMapOvr>
+</p:sld>
+</file>
+
+<file path=ppt/slides/slide28.xml><?xml version="1.0" encoding="utf-8"?>
 <p:sld xmlns:a="http://schemas.openxmlformats.org/drawingml/2006/main" xmlns:r="http://schemas.openxmlformats.org/officeDocument/2006/relationships" xmlns:p="http://schemas.openxmlformats.org/presentationml/2006/main">
   <p:cSld>
     <p:spTree>
